--- a/Python과제/Python_4강.pptx
+++ b/Python과제/Python_4강.pptx
@@ -320,7 +320,7 @@
           <a:p>
             <a:fld id="{96DFF08F-DC6B-4601-B491-B0F83F6DD2DA}" type="datetimeFigureOut">
               <a:rPr lang="en-US" smtClean="0"/>
-              <a:t>4/28/2023</a:t>
+              <a:t>4/29/2023</a:t>
             </a:fld>
             <a:endParaRPr lang="en-US" dirty="0"/>
           </a:p>
@@ -541,7 +541,7 @@
           <a:p>
             <a:fld id="{96DFF08F-DC6B-4601-B491-B0F83F6DD2DA}" type="datetimeFigureOut">
               <a:rPr lang="en-US" smtClean="0"/>
-              <a:t>4/28/2023</a:t>
+              <a:t>4/29/2023</a:t>
             </a:fld>
             <a:endParaRPr lang="en-US" dirty="0"/>
           </a:p>
@@ -721,7 +721,7 @@
           <a:p>
             <a:fld id="{96DFF08F-DC6B-4601-B491-B0F83F6DD2DA}" type="datetimeFigureOut">
               <a:rPr lang="en-US" smtClean="0"/>
-              <a:t>4/28/2023</a:t>
+              <a:t>4/29/2023</a:t>
             </a:fld>
             <a:endParaRPr lang="en-US" dirty="0"/>
           </a:p>
@@ -891,7 +891,7 @@
           <a:p>
             <a:fld id="{96DFF08F-DC6B-4601-B491-B0F83F6DD2DA}" type="datetimeFigureOut">
               <a:rPr lang="en-US" smtClean="0"/>
-              <a:t>4/28/2023</a:t>
+              <a:t>4/29/2023</a:t>
             </a:fld>
             <a:endParaRPr lang="en-US" dirty="0"/>
           </a:p>
@@ -1142,7 +1142,7 @@
           <a:p>
             <a:fld id="{96DFF08F-DC6B-4601-B491-B0F83F6DD2DA}" type="datetimeFigureOut">
               <a:rPr lang="en-US" smtClean="0"/>
-              <a:t>4/28/2023</a:t>
+              <a:t>4/29/2023</a:t>
             </a:fld>
             <a:endParaRPr lang="en-US" dirty="0"/>
           </a:p>
@@ -1465,7 +1465,7 @@
           <a:p>
             <a:fld id="{96DFF08F-DC6B-4601-B491-B0F83F6DD2DA}" type="datetimeFigureOut">
               <a:rPr lang="en-US" smtClean="0"/>
-              <a:t>4/28/2023</a:t>
+              <a:t>4/29/2023</a:t>
             </a:fld>
             <a:endParaRPr lang="en-US" dirty="0"/>
           </a:p>
@@ -1889,7 +1889,7 @@
           <a:p>
             <a:fld id="{96DFF08F-DC6B-4601-B491-B0F83F6DD2DA}" type="datetimeFigureOut">
               <a:rPr lang="en-US" smtClean="0"/>
-              <a:t>4/28/2023</a:t>
+              <a:t>4/29/2023</a:t>
             </a:fld>
             <a:endParaRPr lang="en-US" dirty="0"/>
           </a:p>
@@ -2007,7 +2007,7 @@
           <a:p>
             <a:fld id="{96DFF08F-DC6B-4601-B491-B0F83F6DD2DA}" type="datetimeFigureOut">
               <a:rPr lang="en-US" smtClean="0"/>
-              <a:t>4/28/2023</a:t>
+              <a:t>4/29/2023</a:t>
             </a:fld>
             <a:endParaRPr lang="en-US" dirty="0"/>
           </a:p>
@@ -2102,7 +2102,7 @@
           <a:p>
             <a:fld id="{96DFF08F-DC6B-4601-B491-B0F83F6DD2DA}" type="datetimeFigureOut">
               <a:rPr lang="en-US" smtClean="0"/>
-              <a:t>4/28/2023</a:t>
+              <a:t>4/29/2023</a:t>
             </a:fld>
             <a:endParaRPr lang="en-US" dirty="0"/>
           </a:p>
@@ -2392,7 +2392,7 @@
           <a:p>
             <a:fld id="{96DFF08F-DC6B-4601-B491-B0F83F6DD2DA}" type="datetimeFigureOut">
               <a:rPr lang="en-US" smtClean="0"/>
-              <a:t>4/28/2023</a:t>
+              <a:t>4/29/2023</a:t>
             </a:fld>
             <a:endParaRPr lang="en-US" dirty="0"/>
           </a:p>
@@ -2664,7 +2664,7 @@
           <a:p>
             <a:fld id="{96DFF08F-DC6B-4601-B491-B0F83F6DD2DA}" type="datetimeFigureOut">
               <a:rPr lang="en-US" smtClean="0"/>
-              <a:t>4/28/2023</a:t>
+              <a:t>4/29/2023</a:t>
             </a:fld>
             <a:endParaRPr lang="en-US" dirty="0"/>
           </a:p>
@@ -2919,7 +2919,7 @@
             <a:fld id="{96DFF08F-DC6B-4601-B491-B0F83F6DD2DA}" type="datetimeFigureOut">
               <a:rPr lang="en-US" smtClean="0"/>
               <a:pPr/>
-              <a:t>4/28/2023</a:t>
+              <a:t>4/29/2023</a:t>
             </a:fld>
             <a:endParaRPr lang="en-US" dirty="0"/>
           </a:p>
@@ -3539,6 +3539,36 @@
           <a:chExt cx="0" cy="0"/>
         </a:xfrm>
       </p:grpSpPr>
+      <p:pic>
+        <p:nvPicPr>
+          <p:cNvPr id="3" name="그림 2">
+            <a:extLst>
+              <a:ext uri="{FF2B5EF4-FFF2-40B4-BE49-F238E27FC236}">
+                <a16:creationId xmlns:a16="http://schemas.microsoft.com/office/drawing/2014/main" id="{741F3AB6-ABB3-5C84-9492-0916256B6CC1}"/>
+              </a:ext>
+            </a:extLst>
+          </p:cNvPr>
+          <p:cNvPicPr>
+            <a:picLocks noChangeAspect="1"/>
+          </p:cNvPicPr>
+          <p:nvPr/>
+        </p:nvPicPr>
+        <p:blipFill>
+          <a:blip r:embed="rId2"/>
+          <a:stretch>
+            <a:fillRect/>
+          </a:stretch>
+        </p:blipFill>
+        <p:spPr>
+          <a:xfrm>
+            <a:off x="349428" y="433224"/>
+            <a:ext cx="11569089" cy="4367376"/>
+          </a:xfrm>
+          <a:prstGeom prst="rect">
+            <a:avLst/>
+          </a:prstGeom>
+        </p:spPr>
+      </p:pic>
     </p:spTree>
     <p:extLst>
       <p:ext uri="{BB962C8B-B14F-4D97-AF65-F5344CB8AC3E}">
@@ -3569,6 +3599,36 @@
           <a:chExt cx="0" cy="0"/>
         </a:xfrm>
       </p:grpSpPr>
+      <p:pic>
+        <p:nvPicPr>
+          <p:cNvPr id="3" name="그림 2">
+            <a:extLst>
+              <a:ext uri="{FF2B5EF4-FFF2-40B4-BE49-F238E27FC236}">
+                <a16:creationId xmlns:a16="http://schemas.microsoft.com/office/drawing/2014/main" id="{4CB82A20-E380-84CA-EE12-91B97B9ECE00}"/>
+              </a:ext>
+            </a:extLst>
+          </p:cNvPr>
+          <p:cNvPicPr>
+            <a:picLocks noChangeAspect="1"/>
+          </p:cNvPicPr>
+          <p:nvPr/>
+        </p:nvPicPr>
+        <p:blipFill>
+          <a:blip r:embed="rId2"/>
+          <a:stretch>
+            <a:fillRect/>
+          </a:stretch>
+        </p:blipFill>
+        <p:spPr>
+          <a:xfrm>
+            <a:off x="390534" y="398414"/>
+            <a:ext cx="11484349" cy="5474847"/>
+          </a:xfrm>
+          <a:prstGeom prst="rect">
+            <a:avLst/>
+          </a:prstGeom>
+        </p:spPr>
+      </p:pic>
     </p:spTree>
     <p:extLst>
       <p:ext uri="{BB962C8B-B14F-4D97-AF65-F5344CB8AC3E}">
@@ -3599,6 +3659,36 @@
           <a:chExt cx="0" cy="0"/>
         </a:xfrm>
       </p:grpSpPr>
+      <p:pic>
+        <p:nvPicPr>
+          <p:cNvPr id="3" name="그림 2">
+            <a:extLst>
+              <a:ext uri="{FF2B5EF4-FFF2-40B4-BE49-F238E27FC236}">
+                <a16:creationId xmlns:a16="http://schemas.microsoft.com/office/drawing/2014/main" id="{8EAE5E4F-69CD-B86A-67E4-E937E24E83E2}"/>
+              </a:ext>
+            </a:extLst>
+          </p:cNvPr>
+          <p:cNvPicPr>
+            <a:picLocks noChangeAspect="1"/>
+          </p:cNvPicPr>
+          <p:nvPr/>
+        </p:nvPicPr>
+        <p:blipFill>
+          <a:blip r:embed="rId2"/>
+          <a:stretch>
+            <a:fillRect/>
+          </a:stretch>
+        </p:blipFill>
+        <p:spPr>
+          <a:xfrm>
+            <a:off x="316574" y="296201"/>
+            <a:ext cx="11517872" cy="6280271"/>
+          </a:xfrm>
+          <a:prstGeom prst="rect">
+            <a:avLst/>
+          </a:prstGeom>
+        </p:spPr>
+      </p:pic>
     </p:spTree>
     <p:extLst>
       <p:ext uri="{BB962C8B-B14F-4D97-AF65-F5344CB8AC3E}">
@@ -3629,6 +3719,36 @@
           <a:chExt cx="0" cy="0"/>
         </a:xfrm>
       </p:grpSpPr>
+      <p:pic>
+        <p:nvPicPr>
+          <p:cNvPr id="3" name="그림 2">
+            <a:extLst>
+              <a:ext uri="{FF2B5EF4-FFF2-40B4-BE49-F238E27FC236}">
+                <a16:creationId xmlns:a16="http://schemas.microsoft.com/office/drawing/2014/main" id="{4A1D7238-70BD-56FF-2A0C-DC1FA1391CC9}"/>
+              </a:ext>
+            </a:extLst>
+          </p:cNvPr>
+          <p:cNvPicPr>
+            <a:picLocks noChangeAspect="1"/>
+          </p:cNvPicPr>
+          <p:nvPr/>
+        </p:nvPicPr>
+        <p:blipFill>
+          <a:blip r:embed="rId2"/>
+          <a:stretch>
+            <a:fillRect/>
+          </a:stretch>
+        </p:blipFill>
+        <p:spPr>
+          <a:xfrm>
+            <a:off x="452141" y="365527"/>
+            <a:ext cx="11287717" cy="6126945"/>
+          </a:xfrm>
+          <a:prstGeom prst="rect">
+            <a:avLst/>
+          </a:prstGeom>
+        </p:spPr>
+      </p:pic>
     </p:spTree>
     <p:extLst>
       <p:ext uri="{BB962C8B-B14F-4D97-AF65-F5344CB8AC3E}">
@@ -4221,8 +4341,38 @@
         </p:blipFill>
         <p:spPr>
           <a:xfrm>
-            <a:off x="419615" y="461183"/>
-            <a:ext cx="5850555" cy="3524430"/>
+            <a:off x="419616" y="461183"/>
+            <a:ext cx="4308027" cy="2595196"/>
+          </a:xfrm>
+          <a:prstGeom prst="rect">
+            <a:avLst/>
+          </a:prstGeom>
+        </p:spPr>
+      </p:pic>
+      <p:pic>
+        <p:nvPicPr>
+          <p:cNvPr id="4" name="그림 3">
+            <a:extLst>
+              <a:ext uri="{FF2B5EF4-FFF2-40B4-BE49-F238E27FC236}">
+                <a16:creationId xmlns:a16="http://schemas.microsoft.com/office/drawing/2014/main" id="{20701E16-0190-AAD9-C7AA-CA2C7692C3E0}"/>
+              </a:ext>
+            </a:extLst>
+          </p:cNvPr>
+          <p:cNvPicPr>
+            <a:picLocks noChangeAspect="1"/>
+          </p:cNvPicPr>
+          <p:nvPr/>
+        </p:nvPicPr>
+        <p:blipFill>
+          <a:blip r:embed="rId3"/>
+          <a:stretch>
+            <a:fillRect/>
+          </a:stretch>
+        </p:blipFill>
+        <p:spPr>
+          <a:xfrm>
+            <a:off x="419616" y="3003987"/>
+            <a:ext cx="9055124" cy="3554758"/>
           </a:xfrm>
           <a:prstGeom prst="rect">
             <a:avLst/>
@@ -4259,6 +4409,36 @@
           <a:chExt cx="0" cy="0"/>
         </a:xfrm>
       </p:grpSpPr>
+      <p:pic>
+        <p:nvPicPr>
+          <p:cNvPr id="3" name="그림 2">
+            <a:extLst>
+              <a:ext uri="{FF2B5EF4-FFF2-40B4-BE49-F238E27FC236}">
+                <a16:creationId xmlns:a16="http://schemas.microsoft.com/office/drawing/2014/main" id="{4857B389-FF9C-A692-31EB-85F598F170A3}"/>
+              </a:ext>
+            </a:extLst>
+          </p:cNvPr>
+          <p:cNvPicPr>
+            <a:picLocks noChangeAspect="1"/>
+          </p:cNvPicPr>
+          <p:nvPr/>
+        </p:nvPicPr>
+        <p:blipFill>
+          <a:blip r:embed="rId2"/>
+          <a:stretch>
+            <a:fillRect/>
+          </a:stretch>
+        </p:blipFill>
+        <p:spPr>
+          <a:xfrm>
+            <a:off x="356377" y="428205"/>
+            <a:ext cx="11586759" cy="5480225"/>
+          </a:xfrm>
+          <a:prstGeom prst="rect">
+            <a:avLst/>
+          </a:prstGeom>
+        </p:spPr>
+      </p:pic>
     </p:spTree>
     <p:extLst>
       <p:ext uri="{BB962C8B-B14F-4D97-AF65-F5344CB8AC3E}">

--- a/Python과제/Python_4강.pptx
+++ b/Python과제/Python_4강.pptx
@@ -6,18 +6,24 @@
   </p:sldMasterIdLst>
   <p:sldIdLst>
     <p:sldId id="256" r:id="rId2"/>
-    <p:sldId id="257" r:id="rId3"/>
-    <p:sldId id="258" r:id="rId4"/>
-    <p:sldId id="259" r:id="rId5"/>
-    <p:sldId id="260" r:id="rId6"/>
-    <p:sldId id="261" r:id="rId7"/>
-    <p:sldId id="262" r:id="rId8"/>
-    <p:sldId id="263" r:id="rId9"/>
-    <p:sldId id="264" r:id="rId10"/>
-    <p:sldId id="265" r:id="rId11"/>
-    <p:sldId id="266" r:id="rId12"/>
-    <p:sldId id="267" r:id="rId13"/>
-    <p:sldId id="268" r:id="rId14"/>
+    <p:sldId id="273" r:id="rId3"/>
+    <p:sldId id="271" r:id="rId4"/>
+    <p:sldId id="257" r:id="rId5"/>
+    <p:sldId id="258" r:id="rId6"/>
+    <p:sldId id="259" r:id="rId7"/>
+    <p:sldId id="260" r:id="rId8"/>
+    <p:sldId id="274" r:id="rId9"/>
+    <p:sldId id="261" r:id="rId10"/>
+    <p:sldId id="262" r:id="rId11"/>
+    <p:sldId id="275" r:id="rId12"/>
+    <p:sldId id="263" r:id="rId13"/>
+    <p:sldId id="264" r:id="rId14"/>
+    <p:sldId id="265" r:id="rId15"/>
+    <p:sldId id="266" r:id="rId16"/>
+    <p:sldId id="267" r:id="rId17"/>
+    <p:sldId id="268" r:id="rId18"/>
+    <p:sldId id="281" r:id="rId19"/>
+    <p:sldId id="282" r:id="rId20"/>
   </p:sldIdLst>
   <p:sldSz cx="12192000" cy="6858000"/>
   <p:notesSz cx="6858000" cy="9144000"/>
@@ -124,6 +130,151 @@
 </p:presentation>
 </file>
 
+<file path=ppt/ink/ink1.xml><?xml version="1.0" encoding="utf-8"?>
+<inkml:ink xmlns:inkml="http://www.w3.org/2003/InkML">
+  <inkml:definitions>
+    <inkml:context xml:id="ctx0">
+      <inkml:inkSource xml:id="inkSrc0">
+        <inkml:traceFormat>
+          <inkml:channel name="X" type="integer" min="-2.14748E9" max="2.14748E9" units="cm"/>
+          <inkml:channel name="Y" type="integer" min="-2.14748E9" max="2.14748E9" units="cm"/>
+        </inkml:traceFormat>
+        <inkml:channelProperties>
+          <inkml:channelProperty channel="X" name="resolution" value="1000" units="1/cm"/>
+          <inkml:channelProperty channel="Y" name="resolution" value="1000" units="1/cm"/>
+        </inkml:channelProperties>
+      </inkml:inkSource>
+      <inkml:timestamp xml:id="ts0" timeString="2023-05-05T17:15:32.233"/>
+    </inkml:context>
+    <inkml:brush xml:id="br0">
+      <inkml:brushProperty name="width" value="0.4" units="cm"/>
+      <inkml:brushProperty name="height" value="0.8" units="cm"/>
+      <inkml:brushProperty name="color" value="#C0E494"/>
+      <inkml:brushProperty name="tip" value="rectangle"/>
+      <inkml:brushProperty name="rasterOp" value="maskPen"/>
+      <inkml:brushProperty name="ignorePressure" value="1"/>
+    </inkml:brush>
+  </inkml:definitions>
+  <inkml:trace contextRef="#ctx0" brushRef="#br0">0 1,'4800'0,"4155"0,-8922 0</inkml:trace>
+</inkml:ink>
+</file>
+
+<file path=ppt/ink/ink2.xml><?xml version="1.0" encoding="utf-8"?>
+<inkml:ink xmlns:inkml="http://www.w3.org/2003/InkML">
+  <inkml:definitions>
+    <inkml:context xml:id="ctx0">
+      <inkml:inkSource xml:id="inkSrc0">
+        <inkml:traceFormat>
+          <inkml:channel name="X" type="integer" min="-2.14748E9" max="2.14748E9" units="cm"/>
+          <inkml:channel name="Y" type="integer" min="-2.14748E9" max="2.14748E9" units="cm"/>
+        </inkml:traceFormat>
+        <inkml:channelProperties>
+          <inkml:channelProperty channel="X" name="resolution" value="1000" units="1/cm"/>
+          <inkml:channelProperty channel="Y" name="resolution" value="1000" units="1/cm"/>
+        </inkml:channelProperties>
+      </inkml:inkSource>
+      <inkml:timestamp xml:id="ts0" timeString="2023-05-05T17:15:42.992"/>
+    </inkml:context>
+    <inkml:brush xml:id="br0">
+      <inkml:brushProperty name="width" value="0.4" units="cm"/>
+      <inkml:brushProperty name="height" value="0.8" units="cm"/>
+      <inkml:brushProperty name="color" value="#C0E494"/>
+      <inkml:brushProperty name="tip" value="rectangle"/>
+      <inkml:brushProperty name="rasterOp" value="maskPen"/>
+      <inkml:brushProperty name="ignorePressure" value="1"/>
+    </inkml:brush>
+  </inkml:definitions>
+  <inkml:trace contextRef="#ctx0" brushRef="#br0">0 1,'7390'0,"-7348"0</inkml:trace>
+</inkml:ink>
+</file>
+
+<file path=ppt/ink/ink3.xml><?xml version="1.0" encoding="utf-8"?>
+<inkml:ink xmlns:inkml="http://www.w3.org/2003/InkML">
+  <inkml:definitions>
+    <inkml:context xml:id="ctx0">
+      <inkml:inkSource xml:id="inkSrc0">
+        <inkml:traceFormat>
+          <inkml:channel name="X" type="integer" min="-2.14748E9" max="2.14748E9" units="cm"/>
+          <inkml:channel name="Y" type="integer" min="-2.14748E9" max="2.14748E9" units="cm"/>
+        </inkml:traceFormat>
+        <inkml:channelProperties>
+          <inkml:channelProperty channel="X" name="resolution" value="1000" units="1/cm"/>
+          <inkml:channelProperty channel="Y" name="resolution" value="1000" units="1/cm"/>
+        </inkml:channelProperties>
+      </inkml:inkSource>
+      <inkml:timestamp xml:id="ts0" timeString="2023-05-05T17:16:08.402"/>
+    </inkml:context>
+    <inkml:brush xml:id="br0">
+      <inkml:brushProperty name="width" value="0.4" units="cm"/>
+      <inkml:brushProperty name="height" value="0.8" units="cm"/>
+      <inkml:brushProperty name="color" value="#C0E494"/>
+      <inkml:brushProperty name="tip" value="rectangle"/>
+      <inkml:brushProperty name="rasterOp" value="maskPen"/>
+      <inkml:brushProperty name="ignorePressure" value="1"/>
+    </inkml:brush>
+  </inkml:definitions>
+  <inkml:trace contextRef="#ctx0" brushRef="#br0">0 0,'2818'0,"-2783"0</inkml:trace>
+</inkml:ink>
+</file>
+
+<file path=ppt/ink/ink4.xml><?xml version="1.0" encoding="utf-8"?>
+<inkml:ink xmlns:inkml="http://www.w3.org/2003/InkML">
+  <inkml:definitions>
+    <inkml:context xml:id="ctx0">
+      <inkml:inkSource xml:id="inkSrc0">
+        <inkml:traceFormat>
+          <inkml:channel name="X" type="integer" min="-2.14748E9" max="2.14748E9" units="cm"/>
+          <inkml:channel name="Y" type="integer" min="-2.14748E9" max="2.14748E9" units="cm"/>
+        </inkml:traceFormat>
+        <inkml:channelProperties>
+          <inkml:channelProperty channel="X" name="resolution" value="1000" units="1/cm"/>
+          <inkml:channelProperty channel="Y" name="resolution" value="1000" units="1/cm"/>
+        </inkml:channelProperties>
+      </inkml:inkSource>
+      <inkml:timestamp xml:id="ts0" timeString="2023-05-05T17:16:17.100"/>
+    </inkml:context>
+    <inkml:brush xml:id="br0">
+      <inkml:brushProperty name="width" value="0.4" units="cm"/>
+      <inkml:brushProperty name="height" value="0.8" units="cm"/>
+      <inkml:brushProperty name="color" value="#C0E494"/>
+      <inkml:brushProperty name="tip" value="rectangle"/>
+      <inkml:brushProperty name="rasterOp" value="maskPen"/>
+      <inkml:brushProperty name="ignorePressure" value="1"/>
+    </inkml:brush>
+  </inkml:definitions>
+  <inkml:trace contextRef="#ctx0" brushRef="#br0">1 0,'19352'0,"-19323"0</inkml:trace>
+</inkml:ink>
+</file>
+
+<file path=ppt/ink/ink5.xml><?xml version="1.0" encoding="utf-8"?>
+<inkml:ink xmlns:inkml="http://www.w3.org/2003/InkML">
+  <inkml:definitions>
+    <inkml:context xml:id="ctx0">
+      <inkml:inkSource xml:id="inkSrc0">
+        <inkml:traceFormat>
+          <inkml:channel name="X" type="integer" min="-2.14748E9" max="2.14748E9" units="cm"/>
+          <inkml:channel name="Y" type="integer" min="-2.14748E9" max="2.14748E9" units="cm"/>
+        </inkml:traceFormat>
+        <inkml:channelProperties>
+          <inkml:channelProperty channel="X" name="resolution" value="1000" units="1/cm"/>
+          <inkml:channelProperty channel="Y" name="resolution" value="1000" units="1/cm"/>
+        </inkml:channelProperties>
+      </inkml:inkSource>
+      <inkml:timestamp xml:id="ts0" timeString="2023-05-05T17:16:23.042"/>
+    </inkml:context>
+    <inkml:brush xml:id="br0">
+      <inkml:brushProperty name="width" value="0.4" units="cm"/>
+      <inkml:brushProperty name="height" value="0.8" units="cm"/>
+      <inkml:brushProperty name="color" value="#C0E494"/>
+      <inkml:brushProperty name="tip" value="rectangle"/>
+      <inkml:brushProperty name="rasterOp" value="maskPen"/>
+      <inkml:brushProperty name="ignorePressure" value="1"/>
+    </inkml:brush>
+  </inkml:definitions>
+  <inkml:trace contextRef="#ctx0" brushRef="#br0">1 0,'13745'0,"-13706"0</inkml:trace>
+</inkml:ink>
+</file>
+
 <file path=ppt/slideLayouts/slideLayout1.xml><?xml version="1.0" encoding="utf-8"?>
 <p:sldLayout xmlns:a="http://schemas.openxmlformats.org/drawingml/2006/main" xmlns:r="http://schemas.openxmlformats.org/officeDocument/2006/relationships" xmlns:p="http://schemas.openxmlformats.org/presentationml/2006/main" type="title" preserve="1">
   <p:cSld name="제목 슬라이드">
@@ -320,7 +471,7 @@
           <a:p>
             <a:fld id="{96DFF08F-DC6B-4601-B491-B0F83F6DD2DA}" type="datetimeFigureOut">
               <a:rPr lang="en-US" smtClean="0"/>
-              <a:t>4/29/2023</a:t>
+              <a:t>5/6/2023</a:t>
             </a:fld>
             <a:endParaRPr lang="en-US" dirty="0"/>
           </a:p>
@@ -541,7 +692,7 @@
           <a:p>
             <a:fld id="{96DFF08F-DC6B-4601-B491-B0F83F6DD2DA}" type="datetimeFigureOut">
               <a:rPr lang="en-US" smtClean="0"/>
-              <a:t>4/29/2023</a:t>
+              <a:t>5/6/2023</a:t>
             </a:fld>
             <a:endParaRPr lang="en-US" dirty="0"/>
           </a:p>
@@ -721,7 +872,7 @@
           <a:p>
             <a:fld id="{96DFF08F-DC6B-4601-B491-B0F83F6DD2DA}" type="datetimeFigureOut">
               <a:rPr lang="en-US" smtClean="0"/>
-              <a:t>4/29/2023</a:t>
+              <a:t>5/6/2023</a:t>
             </a:fld>
             <a:endParaRPr lang="en-US" dirty="0"/>
           </a:p>
@@ -891,7 +1042,7 @@
           <a:p>
             <a:fld id="{96DFF08F-DC6B-4601-B491-B0F83F6DD2DA}" type="datetimeFigureOut">
               <a:rPr lang="en-US" smtClean="0"/>
-              <a:t>4/29/2023</a:t>
+              <a:t>5/6/2023</a:t>
             </a:fld>
             <a:endParaRPr lang="en-US" dirty="0"/>
           </a:p>
@@ -1142,7 +1293,7 @@
           <a:p>
             <a:fld id="{96DFF08F-DC6B-4601-B491-B0F83F6DD2DA}" type="datetimeFigureOut">
               <a:rPr lang="en-US" smtClean="0"/>
-              <a:t>4/29/2023</a:t>
+              <a:t>5/6/2023</a:t>
             </a:fld>
             <a:endParaRPr lang="en-US" dirty="0"/>
           </a:p>
@@ -1465,7 +1616,7 @@
           <a:p>
             <a:fld id="{96DFF08F-DC6B-4601-B491-B0F83F6DD2DA}" type="datetimeFigureOut">
               <a:rPr lang="en-US" smtClean="0"/>
-              <a:t>4/29/2023</a:t>
+              <a:t>5/6/2023</a:t>
             </a:fld>
             <a:endParaRPr lang="en-US" dirty="0"/>
           </a:p>
@@ -1889,7 +2040,7 @@
           <a:p>
             <a:fld id="{96DFF08F-DC6B-4601-B491-B0F83F6DD2DA}" type="datetimeFigureOut">
               <a:rPr lang="en-US" smtClean="0"/>
-              <a:t>4/29/2023</a:t>
+              <a:t>5/6/2023</a:t>
             </a:fld>
             <a:endParaRPr lang="en-US" dirty="0"/>
           </a:p>
@@ -2007,7 +2158,7 @@
           <a:p>
             <a:fld id="{96DFF08F-DC6B-4601-B491-B0F83F6DD2DA}" type="datetimeFigureOut">
               <a:rPr lang="en-US" smtClean="0"/>
-              <a:t>4/29/2023</a:t>
+              <a:t>5/6/2023</a:t>
             </a:fld>
             <a:endParaRPr lang="en-US" dirty="0"/>
           </a:p>
@@ -2102,7 +2253,7 @@
           <a:p>
             <a:fld id="{96DFF08F-DC6B-4601-B491-B0F83F6DD2DA}" type="datetimeFigureOut">
               <a:rPr lang="en-US" smtClean="0"/>
-              <a:t>4/29/2023</a:t>
+              <a:t>5/6/2023</a:t>
             </a:fld>
             <a:endParaRPr lang="en-US" dirty="0"/>
           </a:p>
@@ -2392,7 +2543,7 @@
           <a:p>
             <a:fld id="{96DFF08F-DC6B-4601-B491-B0F83F6DD2DA}" type="datetimeFigureOut">
               <a:rPr lang="en-US" smtClean="0"/>
-              <a:t>4/29/2023</a:t>
+              <a:t>5/6/2023</a:t>
             </a:fld>
             <a:endParaRPr lang="en-US" dirty="0"/>
           </a:p>
@@ -2664,7 +2815,7 @@
           <a:p>
             <a:fld id="{96DFF08F-DC6B-4601-B491-B0F83F6DD2DA}" type="datetimeFigureOut">
               <a:rPr lang="en-US" smtClean="0"/>
-              <a:t>4/29/2023</a:t>
+              <a:t>5/6/2023</a:t>
             </a:fld>
             <a:endParaRPr lang="en-US" dirty="0"/>
           </a:p>
@@ -2919,7 +3070,7 @@
             <a:fld id="{96DFF08F-DC6B-4601-B491-B0F83F6DD2DA}" type="datetimeFigureOut">
               <a:rPr lang="en-US" smtClean="0"/>
               <a:pPr/>
-              <a:t>4/29/2023</a:t>
+              <a:t>5/6/2023</a:t>
             </a:fld>
             <a:endParaRPr lang="en-US" dirty="0"/>
           </a:p>
@@ -3544,6 +3695,392 @@
           <p:cNvPr id="3" name="그림 2">
             <a:extLst>
               <a:ext uri="{FF2B5EF4-FFF2-40B4-BE49-F238E27FC236}">
+                <a16:creationId xmlns:a16="http://schemas.microsoft.com/office/drawing/2014/main" id="{D77C0475-F450-BE0A-AAAF-FED59F880759}"/>
+              </a:ext>
+            </a:extLst>
+          </p:cNvPr>
+          <p:cNvPicPr>
+            <a:picLocks noChangeAspect="1"/>
+          </p:cNvPicPr>
+          <p:nvPr/>
+        </p:nvPicPr>
+        <p:blipFill>
+          <a:blip r:embed="rId2"/>
+          <a:stretch>
+            <a:fillRect/>
+          </a:stretch>
+        </p:blipFill>
+        <p:spPr>
+          <a:xfrm>
+            <a:off x="356212" y="378822"/>
+            <a:ext cx="7073287" cy="3265820"/>
+          </a:xfrm>
+          <a:prstGeom prst="rect">
+            <a:avLst/>
+          </a:prstGeom>
+        </p:spPr>
+      </p:pic>
+      <p:pic>
+        <p:nvPicPr>
+          <p:cNvPr id="5" name="그림 4">
+            <a:extLst>
+              <a:ext uri="{FF2B5EF4-FFF2-40B4-BE49-F238E27FC236}">
+                <a16:creationId xmlns:a16="http://schemas.microsoft.com/office/drawing/2014/main" id="{8C8D12ED-59F8-1595-F528-4A4CDA5686B8}"/>
+              </a:ext>
+            </a:extLst>
+          </p:cNvPr>
+          <p:cNvPicPr>
+            <a:picLocks noChangeAspect="1"/>
+          </p:cNvPicPr>
+          <p:nvPr/>
+        </p:nvPicPr>
+        <p:blipFill>
+          <a:blip r:embed="rId3"/>
+          <a:stretch>
+            <a:fillRect/>
+          </a:stretch>
+        </p:blipFill>
+        <p:spPr>
+          <a:xfrm>
+            <a:off x="356211" y="3644642"/>
+            <a:ext cx="8477545" cy="2937567"/>
+          </a:xfrm>
+          <a:prstGeom prst="rect">
+            <a:avLst/>
+          </a:prstGeom>
+        </p:spPr>
+      </p:pic>
+    </p:spTree>
+    <p:extLst>
+      <p:ext uri="{BB962C8B-B14F-4D97-AF65-F5344CB8AC3E}">
+        <p14:creationId xmlns:p14="http://schemas.microsoft.com/office/powerpoint/2010/main" val="2303808060"/>
+      </p:ext>
+    </p:extLst>
+  </p:cSld>
+  <p:clrMapOvr>
+    <a:masterClrMapping/>
+  </p:clrMapOvr>
+</p:sld>
+</file>
+
+<file path=ppt/slides/slide11.xml><?xml version="1.0" encoding="utf-8"?>
+<p:sld xmlns:a="http://schemas.openxmlformats.org/drawingml/2006/main" xmlns:r="http://schemas.openxmlformats.org/officeDocument/2006/relationships" xmlns:p="http://schemas.openxmlformats.org/presentationml/2006/main">
+  <p:cSld>
+    <p:spTree>
+      <p:nvGrpSpPr>
+        <p:cNvPr id="1" name=""/>
+        <p:cNvGrpSpPr/>
+        <p:nvPr/>
+      </p:nvGrpSpPr>
+      <p:grpSpPr>
+        <a:xfrm>
+          <a:off x="0" y="0"/>
+          <a:ext cx="0" cy="0"/>
+          <a:chOff x="0" y="0"/>
+          <a:chExt cx="0" cy="0"/>
+        </a:xfrm>
+      </p:grpSpPr>
+      <p:sp>
+        <p:nvSpPr>
+          <p:cNvPr id="2" name="TextBox 1">
+            <a:extLst>
+              <a:ext uri="{FF2B5EF4-FFF2-40B4-BE49-F238E27FC236}">
+                <a16:creationId xmlns:a16="http://schemas.microsoft.com/office/drawing/2014/main" id="{6D5E47BA-144B-6E25-E282-8F211ABD5221}"/>
+              </a:ext>
+            </a:extLst>
+          </p:cNvPr>
+          <p:cNvSpPr txBox="1"/>
+          <p:nvPr/>
+        </p:nvSpPr>
+        <p:spPr>
+          <a:xfrm>
+            <a:off x="1139371" y="2610838"/>
+            <a:ext cx="9913258" cy="830997"/>
+          </a:xfrm>
+          <a:prstGeom prst="rect">
+            <a:avLst/>
+          </a:prstGeom>
+          <a:noFill/>
+        </p:spPr>
+        <p:txBody>
+          <a:bodyPr wrap="square" rtlCol="0">
+            <a:spAutoFit/>
+          </a:bodyPr>
+          <a:lstStyle/>
+          <a:p>
+            <a:pPr algn="ctr"/>
+            <a:r>
+              <a:rPr lang="en-US" altLang="ko-KR" sz="4800" b="1" dirty="0">
+                <a:solidFill>
+                  <a:schemeClr val="accent1"/>
+                </a:solidFill>
+                <a:latin typeface="+mn-ea"/>
+              </a:rPr>
+              <a:t>&lt; </a:t>
+            </a:r>
+            <a:r>
+              <a:rPr lang="ko-KR" altLang="en-US" sz="4800" b="1" dirty="0">
+                <a:solidFill>
+                  <a:schemeClr val="accent1"/>
+                </a:solidFill>
+                <a:latin typeface="+mn-ea"/>
+              </a:rPr>
+              <a:t>타입 캐스팅 </a:t>
+            </a:r>
+            <a:r>
+              <a:rPr lang="en-US" altLang="ko-KR" sz="4800" b="1" dirty="0">
+                <a:solidFill>
+                  <a:schemeClr val="accent1"/>
+                </a:solidFill>
+                <a:latin typeface="+mn-ea"/>
+              </a:rPr>
+              <a:t>&gt;</a:t>
+            </a:r>
+            <a:endParaRPr lang="ko-KR" altLang="en-US" sz="4800" b="1" dirty="0">
+              <a:solidFill>
+                <a:schemeClr val="accent1"/>
+              </a:solidFill>
+              <a:latin typeface="+mn-ea"/>
+            </a:endParaRPr>
+          </a:p>
+        </p:txBody>
+      </p:sp>
+    </p:spTree>
+    <p:extLst>
+      <p:ext uri="{BB962C8B-B14F-4D97-AF65-F5344CB8AC3E}">
+        <p14:creationId xmlns:p14="http://schemas.microsoft.com/office/powerpoint/2010/main" val="3900185614"/>
+      </p:ext>
+    </p:extLst>
+  </p:cSld>
+  <p:clrMapOvr>
+    <a:masterClrMapping/>
+  </p:clrMapOvr>
+</p:sld>
+</file>
+
+<file path=ppt/slides/slide12.xml><?xml version="1.0" encoding="utf-8"?>
+<p:sld xmlns:a="http://schemas.openxmlformats.org/drawingml/2006/main" xmlns:r="http://schemas.openxmlformats.org/officeDocument/2006/relationships" xmlns:p="http://schemas.openxmlformats.org/presentationml/2006/main">
+  <p:cSld>
+    <p:spTree>
+      <p:nvGrpSpPr>
+        <p:cNvPr id="1" name=""/>
+        <p:cNvGrpSpPr/>
+        <p:nvPr/>
+      </p:nvGrpSpPr>
+      <p:grpSpPr>
+        <a:xfrm>
+          <a:off x="0" y="0"/>
+          <a:ext cx="0" cy="0"/>
+          <a:chOff x="0" y="0"/>
+          <a:chExt cx="0" cy="0"/>
+        </a:xfrm>
+      </p:grpSpPr>
+      <p:pic>
+        <p:nvPicPr>
+          <p:cNvPr id="3" name="그림 2">
+            <a:extLst>
+              <a:ext uri="{FF2B5EF4-FFF2-40B4-BE49-F238E27FC236}">
+                <a16:creationId xmlns:a16="http://schemas.microsoft.com/office/drawing/2014/main" id="{511835C4-3BAA-05B7-B5C9-482CBA5123CA}"/>
+              </a:ext>
+            </a:extLst>
+          </p:cNvPr>
+          <p:cNvPicPr>
+            <a:picLocks noChangeAspect="1"/>
+          </p:cNvPicPr>
+          <p:nvPr/>
+        </p:nvPicPr>
+        <p:blipFill>
+          <a:blip r:embed="rId2"/>
+          <a:stretch>
+            <a:fillRect/>
+          </a:stretch>
+        </p:blipFill>
+        <p:spPr>
+          <a:xfrm>
+            <a:off x="419616" y="461183"/>
+            <a:ext cx="4308027" cy="2595196"/>
+          </a:xfrm>
+          <a:prstGeom prst="rect">
+            <a:avLst/>
+          </a:prstGeom>
+        </p:spPr>
+      </p:pic>
+      <p:pic>
+        <p:nvPicPr>
+          <p:cNvPr id="4" name="그림 3">
+            <a:extLst>
+              <a:ext uri="{FF2B5EF4-FFF2-40B4-BE49-F238E27FC236}">
+                <a16:creationId xmlns:a16="http://schemas.microsoft.com/office/drawing/2014/main" id="{20701E16-0190-AAD9-C7AA-CA2C7692C3E0}"/>
+              </a:ext>
+            </a:extLst>
+          </p:cNvPr>
+          <p:cNvPicPr>
+            <a:picLocks noChangeAspect="1"/>
+          </p:cNvPicPr>
+          <p:nvPr/>
+        </p:nvPicPr>
+        <p:blipFill>
+          <a:blip r:embed="rId3"/>
+          <a:stretch>
+            <a:fillRect/>
+          </a:stretch>
+        </p:blipFill>
+        <p:spPr>
+          <a:xfrm>
+            <a:off x="419616" y="3003987"/>
+            <a:ext cx="9055124" cy="3554758"/>
+          </a:xfrm>
+          <a:prstGeom prst="rect">
+            <a:avLst/>
+          </a:prstGeom>
+        </p:spPr>
+      </p:pic>
+    </p:spTree>
+    <p:extLst>
+      <p:ext uri="{BB962C8B-B14F-4D97-AF65-F5344CB8AC3E}">
+        <p14:creationId xmlns:p14="http://schemas.microsoft.com/office/powerpoint/2010/main" val="797567419"/>
+      </p:ext>
+    </p:extLst>
+  </p:cSld>
+  <p:clrMapOvr>
+    <a:masterClrMapping/>
+  </p:clrMapOvr>
+</p:sld>
+</file>
+
+<file path=ppt/slides/slide13.xml><?xml version="1.0" encoding="utf-8"?>
+<p:sld xmlns:a="http://schemas.openxmlformats.org/drawingml/2006/main" xmlns:r="http://schemas.openxmlformats.org/officeDocument/2006/relationships" xmlns:p="http://schemas.openxmlformats.org/presentationml/2006/main">
+  <p:cSld>
+    <p:spTree>
+      <p:nvGrpSpPr>
+        <p:cNvPr id="1" name=""/>
+        <p:cNvGrpSpPr/>
+        <p:nvPr/>
+      </p:nvGrpSpPr>
+      <p:grpSpPr>
+        <a:xfrm>
+          <a:off x="0" y="0"/>
+          <a:ext cx="0" cy="0"/>
+          <a:chOff x="0" y="0"/>
+          <a:chExt cx="0" cy="0"/>
+        </a:xfrm>
+      </p:grpSpPr>
+      <p:pic>
+        <p:nvPicPr>
+          <p:cNvPr id="3" name="그림 2">
+            <a:extLst>
+              <a:ext uri="{FF2B5EF4-FFF2-40B4-BE49-F238E27FC236}">
+                <a16:creationId xmlns:a16="http://schemas.microsoft.com/office/drawing/2014/main" id="{4857B389-FF9C-A692-31EB-85F598F170A3}"/>
+              </a:ext>
+            </a:extLst>
+          </p:cNvPr>
+          <p:cNvPicPr>
+            <a:picLocks noChangeAspect="1"/>
+          </p:cNvPicPr>
+          <p:nvPr/>
+        </p:nvPicPr>
+        <p:blipFill>
+          <a:blip r:embed="rId2"/>
+          <a:stretch>
+            <a:fillRect/>
+          </a:stretch>
+        </p:blipFill>
+        <p:spPr>
+          <a:xfrm>
+            <a:off x="356377" y="428205"/>
+            <a:ext cx="11586759" cy="5480225"/>
+          </a:xfrm>
+          <a:prstGeom prst="rect">
+            <a:avLst/>
+          </a:prstGeom>
+        </p:spPr>
+      </p:pic>
+      <mc:AlternateContent xmlns:mc="http://schemas.openxmlformats.org/markup-compatibility/2006">
+        <mc:Choice xmlns:p14="http://schemas.microsoft.com/office/powerpoint/2010/main" Requires="p14">
+          <p:contentPart p14:bwMode="auto" r:id="rId3">
+            <p14:nvContentPartPr>
+              <p14:cNvPr id="2" name="잉크 1">
+                <a:extLst>
+                  <a:ext uri="{FF2B5EF4-FFF2-40B4-BE49-F238E27FC236}">
+                    <a16:creationId xmlns:a16="http://schemas.microsoft.com/office/drawing/2014/main" id="{6280D058-4C50-8F9B-809D-2150343415C2}"/>
+                  </a:ext>
+                </a:extLst>
+              </p14:cNvPr>
+              <p14:cNvContentPartPr/>
+              <p14:nvPr/>
+            </p14:nvContentPartPr>
+            <p14:xfrm>
+              <a:off x="3020503" y="1080103"/>
+              <a:ext cx="4964040" cy="360"/>
+            </p14:xfrm>
+          </p:contentPart>
+        </mc:Choice>
+        <mc:Fallback>
+          <p:pic>
+            <p:nvPicPr>
+              <p:cNvPr id="2" name="잉크 1">
+                <a:extLst>
+                  <a:ext uri="{FF2B5EF4-FFF2-40B4-BE49-F238E27FC236}">
+                    <a16:creationId xmlns:a16="http://schemas.microsoft.com/office/drawing/2014/main" id="{6280D058-4C50-8F9B-809D-2150343415C2}"/>
+                  </a:ext>
+                </a:extLst>
+              </p:cNvPr>
+              <p:cNvPicPr/>
+              <p:nvPr/>
+            </p:nvPicPr>
+            <p:blipFill>
+              <a:blip r:embed="rId4"/>
+              <a:stretch>
+                <a:fillRect/>
+              </a:stretch>
+            </p:blipFill>
+            <p:spPr>
+              <a:xfrm>
+                <a:off x="2948503" y="936463"/>
+                <a:ext cx="5107680" cy="288000"/>
+              </a:xfrm>
+              <a:prstGeom prst="rect">
+                <a:avLst/>
+              </a:prstGeom>
+            </p:spPr>
+          </p:pic>
+        </mc:Fallback>
+      </mc:AlternateContent>
+    </p:spTree>
+    <p:extLst>
+      <p:ext uri="{BB962C8B-B14F-4D97-AF65-F5344CB8AC3E}">
+        <p14:creationId xmlns:p14="http://schemas.microsoft.com/office/powerpoint/2010/main" val="2695997935"/>
+      </p:ext>
+    </p:extLst>
+  </p:cSld>
+  <p:clrMapOvr>
+    <a:masterClrMapping/>
+  </p:clrMapOvr>
+</p:sld>
+</file>
+
+<file path=ppt/slides/slide14.xml><?xml version="1.0" encoding="utf-8"?>
+<p:sld xmlns:a="http://schemas.openxmlformats.org/drawingml/2006/main" xmlns:r="http://schemas.openxmlformats.org/officeDocument/2006/relationships" xmlns:p="http://schemas.openxmlformats.org/presentationml/2006/main">
+  <p:cSld>
+    <p:spTree>
+      <p:nvGrpSpPr>
+        <p:cNvPr id="1" name=""/>
+        <p:cNvGrpSpPr/>
+        <p:nvPr/>
+      </p:nvGrpSpPr>
+      <p:grpSpPr>
+        <a:xfrm>
+          <a:off x="0" y="0"/>
+          <a:ext cx="0" cy="0"/>
+          <a:chOff x="0" y="0"/>
+          <a:chExt cx="0" cy="0"/>
+        </a:xfrm>
+      </p:grpSpPr>
+      <p:pic>
+        <p:nvPicPr>
+          <p:cNvPr id="3" name="그림 2">
+            <a:extLst>
+              <a:ext uri="{FF2B5EF4-FFF2-40B4-BE49-F238E27FC236}">
                 <a16:creationId xmlns:a16="http://schemas.microsoft.com/office/drawing/2014/main" id="{741F3AB6-ABB3-5C84-9492-0916256B6CC1}"/>
               </a:ext>
             </a:extLst>
@@ -3569,6 +4106,57 @@
           </a:prstGeom>
         </p:spPr>
       </p:pic>
+      <mc:AlternateContent xmlns:mc="http://schemas.openxmlformats.org/markup-compatibility/2006">
+        <mc:Choice xmlns:p14="http://schemas.microsoft.com/office/powerpoint/2010/main" Requires="p14">
+          <p:contentPart p14:bwMode="auto" r:id="rId3">
+            <p14:nvContentPartPr>
+              <p14:cNvPr id="2" name="잉크 1">
+                <a:extLst>
+                  <a:ext uri="{FF2B5EF4-FFF2-40B4-BE49-F238E27FC236}">
+                    <a16:creationId xmlns:a16="http://schemas.microsoft.com/office/drawing/2014/main" id="{8810924B-229A-6960-A319-F1A36BC699F7}"/>
+                  </a:ext>
+                </a:extLst>
+              </p14:cNvPr>
+              <p14:cNvContentPartPr/>
+              <p14:nvPr/>
+            </p14:nvContentPartPr>
+            <p14:xfrm>
+              <a:off x="6433303" y="1080103"/>
+              <a:ext cx="2675880" cy="360"/>
+            </p14:xfrm>
+          </p:contentPart>
+        </mc:Choice>
+        <mc:Fallback>
+          <p:pic>
+            <p:nvPicPr>
+              <p:cNvPr id="2" name="잉크 1">
+                <a:extLst>
+                  <a:ext uri="{FF2B5EF4-FFF2-40B4-BE49-F238E27FC236}">
+                    <a16:creationId xmlns:a16="http://schemas.microsoft.com/office/drawing/2014/main" id="{8810924B-229A-6960-A319-F1A36BC699F7}"/>
+                  </a:ext>
+                </a:extLst>
+              </p:cNvPr>
+              <p:cNvPicPr/>
+              <p:nvPr/>
+            </p:nvPicPr>
+            <p:blipFill>
+              <a:blip r:embed="rId4"/>
+              <a:stretch>
+                <a:fillRect/>
+              </a:stretch>
+            </p:blipFill>
+            <p:spPr>
+              <a:xfrm>
+                <a:off x="6361303" y="936463"/>
+                <a:ext cx="2819520" cy="288000"/>
+              </a:xfrm>
+              <a:prstGeom prst="rect">
+                <a:avLst/>
+              </a:prstGeom>
+            </p:spPr>
+          </p:pic>
+        </mc:Fallback>
+      </mc:AlternateContent>
     </p:spTree>
     <p:extLst>
       <p:ext uri="{BB962C8B-B14F-4D97-AF65-F5344CB8AC3E}">
@@ -3582,7 +4170,7 @@
 </p:sld>
 </file>
 
-<file path=ppt/slides/slide11.xml><?xml version="1.0" encoding="utf-8"?>
+<file path=ppt/slides/slide15.xml><?xml version="1.0" encoding="utf-8"?>
 <p:sld xmlns:a="http://schemas.openxmlformats.org/drawingml/2006/main" xmlns:r="http://schemas.openxmlformats.org/officeDocument/2006/relationships" xmlns:p="http://schemas.openxmlformats.org/presentationml/2006/main">
   <p:cSld>
     <p:spTree>
@@ -3629,6 +4217,57 @@
           </a:prstGeom>
         </p:spPr>
       </p:pic>
+      <mc:AlternateContent xmlns:mc="http://schemas.openxmlformats.org/markup-compatibility/2006">
+        <mc:Choice xmlns:p14="http://schemas.microsoft.com/office/powerpoint/2010/main" Requires="p14">
+          <p:contentPart p14:bwMode="auto" r:id="rId3">
+            <p14:nvContentPartPr>
+              <p14:cNvPr id="5" name="잉크 4">
+                <a:extLst>
+                  <a:ext uri="{FF2B5EF4-FFF2-40B4-BE49-F238E27FC236}">
+                    <a16:creationId xmlns:a16="http://schemas.microsoft.com/office/drawing/2014/main" id="{2293B093-8C42-A725-901D-5099F3E2398F}"/>
+                  </a:ext>
+                </a:extLst>
+              </p14:cNvPr>
+              <p14:cNvContentPartPr/>
+              <p14:nvPr/>
+            </p14:nvContentPartPr>
+            <p14:xfrm>
+              <a:off x="914143" y="1063903"/>
+              <a:ext cx="1027440" cy="360"/>
+            </p14:xfrm>
+          </p:contentPart>
+        </mc:Choice>
+        <mc:Fallback>
+          <p:pic>
+            <p:nvPicPr>
+              <p:cNvPr id="5" name="잉크 4">
+                <a:extLst>
+                  <a:ext uri="{FF2B5EF4-FFF2-40B4-BE49-F238E27FC236}">
+                    <a16:creationId xmlns:a16="http://schemas.microsoft.com/office/drawing/2014/main" id="{2293B093-8C42-A725-901D-5099F3E2398F}"/>
+                  </a:ext>
+                </a:extLst>
+              </p:cNvPr>
+              <p:cNvPicPr/>
+              <p:nvPr/>
+            </p:nvPicPr>
+            <p:blipFill>
+              <a:blip r:embed="rId4"/>
+              <a:stretch>
+                <a:fillRect/>
+              </a:stretch>
+            </p:blipFill>
+            <p:spPr>
+              <a:xfrm>
+                <a:off x="842143" y="919903"/>
+                <a:ext cx="1171080" cy="288000"/>
+              </a:xfrm>
+              <a:prstGeom prst="rect">
+                <a:avLst/>
+              </a:prstGeom>
+            </p:spPr>
+          </p:pic>
+        </mc:Fallback>
+      </mc:AlternateContent>
     </p:spTree>
     <p:extLst>
       <p:ext uri="{BB962C8B-B14F-4D97-AF65-F5344CB8AC3E}">
@@ -3642,7 +4281,7 @@
 </p:sld>
 </file>
 
-<file path=ppt/slides/slide12.xml><?xml version="1.0" encoding="utf-8"?>
+<file path=ppt/slides/slide16.xml><?xml version="1.0" encoding="utf-8"?>
 <p:sld xmlns:a="http://schemas.openxmlformats.org/drawingml/2006/main" xmlns:r="http://schemas.openxmlformats.org/officeDocument/2006/relationships" xmlns:p="http://schemas.openxmlformats.org/presentationml/2006/main">
   <p:cSld>
     <p:spTree>
@@ -3689,6 +4328,108 @@
           </a:prstGeom>
         </p:spPr>
       </p:pic>
+      <mc:AlternateContent xmlns:mc="http://schemas.openxmlformats.org/markup-compatibility/2006">
+        <mc:Choice xmlns:p14="http://schemas.microsoft.com/office/powerpoint/2010/main" Requires="p14">
+          <p:contentPart p14:bwMode="auto" r:id="rId3">
+            <p14:nvContentPartPr>
+              <p14:cNvPr id="2" name="잉크 1">
+                <a:extLst>
+                  <a:ext uri="{FF2B5EF4-FFF2-40B4-BE49-F238E27FC236}">
+                    <a16:creationId xmlns:a16="http://schemas.microsoft.com/office/drawing/2014/main" id="{4FA3161A-3F47-A304-F2D3-22E6DCA2DEC2}"/>
+                  </a:ext>
+                </a:extLst>
+              </p14:cNvPr>
+              <p14:cNvContentPartPr/>
+              <p14:nvPr/>
+            </p14:nvContentPartPr>
+            <p14:xfrm>
+              <a:off x="897223" y="1602823"/>
+              <a:ext cx="6977520" cy="360"/>
+            </p14:xfrm>
+          </p:contentPart>
+        </mc:Choice>
+        <mc:Fallback>
+          <p:pic>
+            <p:nvPicPr>
+              <p:cNvPr id="2" name="잉크 1">
+                <a:extLst>
+                  <a:ext uri="{FF2B5EF4-FFF2-40B4-BE49-F238E27FC236}">
+                    <a16:creationId xmlns:a16="http://schemas.microsoft.com/office/drawing/2014/main" id="{4FA3161A-3F47-A304-F2D3-22E6DCA2DEC2}"/>
+                  </a:ext>
+                </a:extLst>
+              </p:cNvPr>
+              <p:cNvPicPr/>
+              <p:nvPr/>
+            </p:nvPicPr>
+            <p:blipFill>
+              <a:blip r:embed="rId4"/>
+              <a:stretch>
+                <a:fillRect/>
+              </a:stretch>
+            </p:blipFill>
+            <p:spPr>
+              <a:xfrm>
+                <a:off x="825583" y="1458823"/>
+                <a:ext cx="7121160" cy="288000"/>
+              </a:xfrm>
+              <a:prstGeom prst="rect">
+                <a:avLst/>
+              </a:prstGeom>
+            </p:spPr>
+          </p:pic>
+        </mc:Fallback>
+      </mc:AlternateContent>
+      <mc:AlternateContent xmlns:mc="http://schemas.openxmlformats.org/markup-compatibility/2006">
+        <mc:Choice xmlns:p14="http://schemas.microsoft.com/office/powerpoint/2010/main" Requires="p14">
+          <p:contentPart p14:bwMode="auto" r:id="rId5">
+            <p14:nvContentPartPr>
+              <p14:cNvPr id="4" name="잉크 3">
+                <a:extLst>
+                  <a:ext uri="{FF2B5EF4-FFF2-40B4-BE49-F238E27FC236}">
+                    <a16:creationId xmlns:a16="http://schemas.microsoft.com/office/drawing/2014/main" id="{A40F11CA-2130-3A9A-C25C-56B9AB8C735B}"/>
+                  </a:ext>
+                </a:extLst>
+              </p14:cNvPr>
+              <p14:cNvContentPartPr/>
+              <p14:nvPr/>
+            </p14:nvContentPartPr>
+            <p14:xfrm>
+              <a:off x="897223" y="2060023"/>
+              <a:ext cx="4962600" cy="360"/>
+            </p14:xfrm>
+          </p:contentPart>
+        </mc:Choice>
+        <mc:Fallback>
+          <p:pic>
+            <p:nvPicPr>
+              <p:cNvPr id="4" name="잉크 3">
+                <a:extLst>
+                  <a:ext uri="{FF2B5EF4-FFF2-40B4-BE49-F238E27FC236}">
+                    <a16:creationId xmlns:a16="http://schemas.microsoft.com/office/drawing/2014/main" id="{A40F11CA-2130-3A9A-C25C-56B9AB8C735B}"/>
+                  </a:ext>
+                </a:extLst>
+              </p:cNvPr>
+              <p:cNvPicPr/>
+              <p:nvPr/>
+            </p:nvPicPr>
+            <p:blipFill>
+              <a:blip r:embed="rId6"/>
+              <a:stretch>
+                <a:fillRect/>
+              </a:stretch>
+            </p:blipFill>
+            <p:spPr>
+              <a:xfrm>
+                <a:off x="825583" y="1916023"/>
+                <a:ext cx="5106240" cy="288000"/>
+              </a:xfrm>
+              <a:prstGeom prst="rect">
+                <a:avLst/>
+              </a:prstGeom>
+            </p:spPr>
+          </p:pic>
+        </mc:Fallback>
+      </mc:AlternateContent>
     </p:spTree>
     <p:extLst>
       <p:ext uri="{BB962C8B-B14F-4D97-AF65-F5344CB8AC3E}">
@@ -3702,7 +4443,7 @@
 </p:sld>
 </file>
 
-<file path=ppt/slides/slide13.xml><?xml version="1.0" encoding="utf-8"?>
+<file path=ppt/slides/slide17.xml><?xml version="1.0" encoding="utf-8"?>
 <p:sld xmlns:a="http://schemas.openxmlformats.org/drawingml/2006/main" xmlns:r="http://schemas.openxmlformats.org/officeDocument/2006/relationships" xmlns:p="http://schemas.openxmlformats.org/presentationml/2006/main">
   <p:cSld>
     <p:spTree>
@@ -3762,7 +4503,382 @@
 </p:sld>
 </file>
 
+<file path=ppt/slides/slide18.xml><?xml version="1.0" encoding="utf-8"?>
+<p:sld xmlns:a="http://schemas.openxmlformats.org/drawingml/2006/main" xmlns:r="http://schemas.openxmlformats.org/officeDocument/2006/relationships" xmlns:p="http://schemas.openxmlformats.org/presentationml/2006/main">
+  <p:cSld>
+    <p:spTree>
+      <p:nvGrpSpPr>
+        <p:cNvPr id="1" name=""/>
+        <p:cNvGrpSpPr/>
+        <p:nvPr/>
+      </p:nvGrpSpPr>
+      <p:grpSpPr>
+        <a:xfrm>
+          <a:off x="0" y="0"/>
+          <a:ext cx="0" cy="0"/>
+          <a:chOff x="0" y="0"/>
+          <a:chExt cx="0" cy="0"/>
+        </a:xfrm>
+      </p:grpSpPr>
+      <p:sp>
+        <p:nvSpPr>
+          <p:cNvPr id="2" name="TextBox 1">
+            <a:extLst>
+              <a:ext uri="{FF2B5EF4-FFF2-40B4-BE49-F238E27FC236}">
+                <a16:creationId xmlns:a16="http://schemas.microsoft.com/office/drawing/2014/main" id="{6D5E47BA-144B-6E25-E282-8F211ABD5221}"/>
+              </a:ext>
+            </a:extLst>
+          </p:cNvPr>
+          <p:cNvSpPr txBox="1"/>
+          <p:nvPr/>
+        </p:nvSpPr>
+        <p:spPr>
+          <a:xfrm>
+            <a:off x="1139371" y="2610838"/>
+            <a:ext cx="9913258" cy="830997"/>
+          </a:xfrm>
+          <a:prstGeom prst="rect">
+            <a:avLst/>
+          </a:prstGeom>
+          <a:noFill/>
+        </p:spPr>
+        <p:txBody>
+          <a:bodyPr wrap="square" rtlCol="0">
+            <a:spAutoFit/>
+          </a:bodyPr>
+          <a:lstStyle/>
+          <a:p>
+            <a:pPr algn="ctr"/>
+            <a:r>
+              <a:rPr lang="en-US" altLang="ko-KR" sz="4800" b="1" dirty="0">
+                <a:solidFill>
+                  <a:schemeClr val="accent1"/>
+                </a:solidFill>
+                <a:latin typeface="+mn-ea"/>
+              </a:rPr>
+              <a:t>&lt; </a:t>
+            </a:r>
+            <a:r>
+              <a:rPr lang="ko-KR" altLang="en-US" sz="4800" b="1" dirty="0">
+                <a:solidFill>
+                  <a:schemeClr val="accent1"/>
+                </a:solidFill>
+                <a:latin typeface="+mn-ea"/>
+              </a:rPr>
+              <a:t>정리하기 </a:t>
+            </a:r>
+            <a:r>
+              <a:rPr lang="en-US" altLang="ko-KR" sz="4800" b="1" dirty="0">
+                <a:solidFill>
+                  <a:schemeClr val="accent1"/>
+                </a:solidFill>
+                <a:latin typeface="+mn-ea"/>
+              </a:rPr>
+              <a:t>&gt;</a:t>
+            </a:r>
+            <a:endParaRPr lang="ko-KR" altLang="en-US" sz="4800" b="1" dirty="0">
+              <a:solidFill>
+                <a:schemeClr val="accent1"/>
+              </a:solidFill>
+              <a:latin typeface="+mn-ea"/>
+            </a:endParaRPr>
+          </a:p>
+        </p:txBody>
+      </p:sp>
+    </p:spTree>
+    <p:extLst>
+      <p:ext uri="{BB962C8B-B14F-4D97-AF65-F5344CB8AC3E}">
+        <p14:creationId xmlns:p14="http://schemas.microsoft.com/office/powerpoint/2010/main" val="3896227482"/>
+      </p:ext>
+    </p:extLst>
+  </p:cSld>
+  <p:clrMapOvr>
+    <a:masterClrMapping/>
+  </p:clrMapOvr>
+</p:sld>
+</file>
+
+<file path=ppt/slides/slide19.xml><?xml version="1.0" encoding="utf-8"?>
+<p:sld xmlns:a="http://schemas.openxmlformats.org/drawingml/2006/main" xmlns:r="http://schemas.openxmlformats.org/officeDocument/2006/relationships" xmlns:p="http://schemas.openxmlformats.org/presentationml/2006/main">
+  <p:cSld>
+    <p:spTree>
+      <p:nvGrpSpPr>
+        <p:cNvPr id="1" name=""/>
+        <p:cNvGrpSpPr/>
+        <p:nvPr/>
+      </p:nvGrpSpPr>
+      <p:grpSpPr>
+        <a:xfrm>
+          <a:off x="0" y="0"/>
+          <a:ext cx="0" cy="0"/>
+          <a:chOff x="0" y="0"/>
+          <a:chExt cx="0" cy="0"/>
+        </a:xfrm>
+      </p:grpSpPr>
+      <p:pic>
+        <p:nvPicPr>
+          <p:cNvPr id="3" name="그림 2">
+            <a:extLst>
+              <a:ext uri="{FF2B5EF4-FFF2-40B4-BE49-F238E27FC236}">
+                <a16:creationId xmlns:a16="http://schemas.microsoft.com/office/drawing/2014/main" id="{9397BB70-5F0A-F00C-AE17-5E904CE24122}"/>
+              </a:ext>
+            </a:extLst>
+          </p:cNvPr>
+          <p:cNvPicPr>
+            <a:picLocks noChangeAspect="1"/>
+          </p:cNvPicPr>
+          <p:nvPr/>
+        </p:nvPicPr>
+        <p:blipFill>
+          <a:blip r:embed="rId2"/>
+          <a:stretch>
+            <a:fillRect/>
+          </a:stretch>
+        </p:blipFill>
+        <p:spPr>
+          <a:xfrm>
+            <a:off x="399048" y="382725"/>
+            <a:ext cx="6214023" cy="6111099"/>
+          </a:xfrm>
+          <a:prstGeom prst="rect">
+            <a:avLst/>
+          </a:prstGeom>
+        </p:spPr>
+      </p:pic>
+    </p:spTree>
+    <p:extLst>
+      <p:ext uri="{BB962C8B-B14F-4D97-AF65-F5344CB8AC3E}">
+        <p14:creationId xmlns:p14="http://schemas.microsoft.com/office/powerpoint/2010/main" val="776406720"/>
+      </p:ext>
+    </p:extLst>
+  </p:cSld>
+  <p:clrMapOvr>
+    <a:masterClrMapping/>
+  </p:clrMapOvr>
+</p:sld>
+</file>
+
 <file path=ppt/slides/slide2.xml><?xml version="1.0" encoding="utf-8"?>
+<p:sld xmlns:a="http://schemas.openxmlformats.org/drawingml/2006/main" xmlns:r="http://schemas.openxmlformats.org/officeDocument/2006/relationships" xmlns:p="http://schemas.openxmlformats.org/presentationml/2006/main">
+  <p:cSld>
+    <p:spTree>
+      <p:nvGrpSpPr>
+        <p:cNvPr id="1" name=""/>
+        <p:cNvGrpSpPr/>
+        <p:nvPr/>
+      </p:nvGrpSpPr>
+      <p:grpSpPr>
+        <a:xfrm>
+          <a:off x="0" y="0"/>
+          <a:ext cx="0" cy="0"/>
+          <a:chOff x="0" y="0"/>
+          <a:chExt cx="0" cy="0"/>
+        </a:xfrm>
+      </p:grpSpPr>
+      <p:sp>
+        <p:nvSpPr>
+          <p:cNvPr id="2" name="제목 1">
+            <a:extLst>
+              <a:ext uri="{FF2B5EF4-FFF2-40B4-BE49-F238E27FC236}">
+                <a16:creationId xmlns:a16="http://schemas.microsoft.com/office/drawing/2014/main" id="{0E0D856F-4106-A50C-D169-B97267D7C681}"/>
+              </a:ext>
+            </a:extLst>
+          </p:cNvPr>
+          <p:cNvSpPr>
+            <a:spLocks noGrp="1"/>
+          </p:cNvSpPr>
+          <p:nvPr>
+            <p:ph type="title"/>
+          </p:nvPr>
+        </p:nvSpPr>
+        <p:spPr/>
+        <p:txBody>
+          <a:bodyPr/>
+          <a:lstStyle/>
+          <a:p>
+            <a:r>
+              <a:rPr lang="en-US" altLang="ko-KR" b="1" dirty="0"/>
+              <a:t>&lt; </a:t>
+            </a:r>
+            <a:r>
+              <a:rPr lang="ko-KR" altLang="en-US" b="1" dirty="0"/>
+              <a:t>학습 내용 </a:t>
+            </a:r>
+            <a:r>
+              <a:rPr lang="en-US" altLang="ko-KR" b="1" dirty="0"/>
+              <a:t>&gt;</a:t>
+            </a:r>
+            <a:endParaRPr lang="ko-KR" altLang="en-US" b="1" dirty="0"/>
+          </a:p>
+        </p:txBody>
+      </p:sp>
+      <p:sp>
+        <p:nvSpPr>
+          <p:cNvPr id="3" name="세로 텍스트 개체 틀 2">
+            <a:extLst>
+              <a:ext uri="{FF2B5EF4-FFF2-40B4-BE49-F238E27FC236}">
+                <a16:creationId xmlns:a16="http://schemas.microsoft.com/office/drawing/2014/main" id="{29490A46-00F2-4D62-ABCC-029E4074B162}"/>
+              </a:ext>
+            </a:extLst>
+          </p:cNvPr>
+          <p:cNvSpPr>
+            <a:spLocks noGrp="1"/>
+          </p:cNvSpPr>
+          <p:nvPr>
+            <p:ph type="body" orient="vert" idx="1"/>
+          </p:nvPr>
+        </p:nvSpPr>
+        <p:spPr/>
+        <p:txBody>
+          <a:bodyPr vert="horz">
+            <a:normAutofit/>
+          </a:bodyPr>
+          <a:lstStyle/>
+          <a:p>
+            <a:r>
+              <a:rPr lang="en-US" altLang="ko-KR" sz="4000" dirty="0"/>
+              <a:t> </a:t>
+            </a:r>
+            <a:r>
+              <a:rPr lang="ko-KR" altLang="en-US" sz="4000" dirty="0"/>
+              <a:t>대입 연산자</a:t>
+            </a:r>
+            <a:endParaRPr lang="en-US" altLang="ko-KR" sz="4000" dirty="0"/>
+          </a:p>
+          <a:p>
+            <a:endParaRPr lang="en-US" altLang="ko-KR" sz="4000" dirty="0"/>
+          </a:p>
+          <a:p>
+            <a:r>
+              <a:rPr lang="en-US" altLang="ko-KR" sz="4000" dirty="0"/>
+              <a:t> </a:t>
+            </a:r>
+            <a:r>
+              <a:rPr lang="ko-KR" altLang="en-US" sz="4000" dirty="0"/>
+              <a:t>산술 연산자 </a:t>
+            </a:r>
+            <a:endParaRPr lang="en-US" altLang="ko-KR" sz="4000" dirty="0"/>
+          </a:p>
+          <a:p>
+            <a:endParaRPr lang="en-US" altLang="ko-KR" sz="4000" dirty="0"/>
+          </a:p>
+          <a:p>
+            <a:r>
+              <a:rPr lang="ko-KR" altLang="en-US" sz="4000" dirty="0"/>
+              <a:t> 타입 캐스팅 </a:t>
+            </a:r>
+          </a:p>
+        </p:txBody>
+      </p:sp>
+    </p:spTree>
+    <p:extLst>
+      <p:ext uri="{BB962C8B-B14F-4D97-AF65-F5344CB8AC3E}">
+        <p14:creationId xmlns:p14="http://schemas.microsoft.com/office/powerpoint/2010/main" val="618819181"/>
+      </p:ext>
+    </p:extLst>
+  </p:cSld>
+  <p:clrMapOvr>
+    <a:masterClrMapping/>
+  </p:clrMapOvr>
+</p:sld>
+</file>
+
+<file path=ppt/slides/slide3.xml><?xml version="1.0" encoding="utf-8"?>
+<p:sld xmlns:a="http://schemas.openxmlformats.org/drawingml/2006/main" xmlns:r="http://schemas.openxmlformats.org/officeDocument/2006/relationships" xmlns:p="http://schemas.openxmlformats.org/presentationml/2006/main">
+  <p:cSld>
+    <p:spTree>
+      <p:nvGrpSpPr>
+        <p:cNvPr id="1" name=""/>
+        <p:cNvGrpSpPr/>
+        <p:nvPr/>
+      </p:nvGrpSpPr>
+      <p:grpSpPr>
+        <a:xfrm>
+          <a:off x="0" y="0"/>
+          <a:ext cx="0" cy="0"/>
+          <a:chOff x="0" y="0"/>
+          <a:chExt cx="0" cy="0"/>
+        </a:xfrm>
+      </p:grpSpPr>
+      <p:sp>
+        <p:nvSpPr>
+          <p:cNvPr id="2" name="TextBox 1">
+            <a:extLst>
+              <a:ext uri="{FF2B5EF4-FFF2-40B4-BE49-F238E27FC236}">
+                <a16:creationId xmlns:a16="http://schemas.microsoft.com/office/drawing/2014/main" id="{6D5E47BA-144B-6E25-E282-8F211ABD5221}"/>
+              </a:ext>
+            </a:extLst>
+          </p:cNvPr>
+          <p:cNvSpPr txBox="1"/>
+          <p:nvPr/>
+        </p:nvSpPr>
+        <p:spPr>
+          <a:xfrm>
+            <a:off x="1139371" y="2610838"/>
+            <a:ext cx="9913258" cy="830997"/>
+          </a:xfrm>
+          <a:prstGeom prst="rect">
+            <a:avLst/>
+          </a:prstGeom>
+          <a:noFill/>
+        </p:spPr>
+        <p:txBody>
+          <a:bodyPr wrap="square" rtlCol="0">
+            <a:spAutoFit/>
+          </a:bodyPr>
+          <a:lstStyle/>
+          <a:p>
+            <a:pPr algn="ctr"/>
+            <a:r>
+              <a:rPr lang="en-US" altLang="ko-KR" sz="4800" b="1" dirty="0">
+                <a:solidFill>
+                  <a:schemeClr val="accent1"/>
+                </a:solidFill>
+                <a:latin typeface="+mn-ea"/>
+              </a:rPr>
+              <a:t>&lt; </a:t>
+            </a:r>
+            <a:r>
+              <a:rPr lang="ko-KR" altLang="en-US" sz="4800" b="1" dirty="0">
+                <a:solidFill>
+                  <a:schemeClr val="accent1"/>
+                </a:solidFill>
+                <a:latin typeface="+mn-ea"/>
+              </a:rPr>
+              <a:t>대입 연산자</a:t>
+            </a:r>
+            <a:r>
+              <a:rPr lang="en-US" altLang="ko-KR" sz="4800" b="1" dirty="0">
+                <a:solidFill>
+                  <a:schemeClr val="accent1"/>
+                </a:solidFill>
+                <a:latin typeface="+mn-ea"/>
+              </a:rPr>
+              <a:t>&gt;</a:t>
+            </a:r>
+            <a:endParaRPr lang="ko-KR" altLang="en-US" sz="4800" b="1" dirty="0">
+              <a:solidFill>
+                <a:schemeClr val="accent1"/>
+              </a:solidFill>
+              <a:latin typeface="+mn-ea"/>
+            </a:endParaRPr>
+          </a:p>
+        </p:txBody>
+      </p:sp>
+    </p:spTree>
+    <p:extLst>
+      <p:ext uri="{BB962C8B-B14F-4D97-AF65-F5344CB8AC3E}">
+        <p14:creationId xmlns:p14="http://schemas.microsoft.com/office/powerpoint/2010/main" val="2450836371"/>
+      </p:ext>
+    </p:extLst>
+  </p:cSld>
+  <p:clrMapOvr>
+    <a:masterClrMapping/>
+  </p:clrMapOvr>
+</p:sld>
+</file>
+
+<file path=ppt/slides/slide4.xml><?xml version="1.0" encoding="utf-8"?>
 <p:sld xmlns:a="http://schemas.openxmlformats.org/drawingml/2006/main" xmlns:r="http://schemas.openxmlformats.org/officeDocument/2006/relationships" xmlns:p="http://schemas.openxmlformats.org/presentationml/2006/main">
   <p:cSld>
     <p:spTree>
@@ -3822,7 +4938,7 @@
 </p:sld>
 </file>
 
-<file path=ppt/slides/slide3.xml><?xml version="1.0" encoding="utf-8"?>
+<file path=ppt/slides/slide5.xml><?xml version="1.0" encoding="utf-8"?>
 <p:sld xmlns:a="http://schemas.openxmlformats.org/drawingml/2006/main" xmlns:r="http://schemas.openxmlformats.org/officeDocument/2006/relationships" xmlns:p="http://schemas.openxmlformats.org/presentationml/2006/main">
   <p:cSld>
     <p:spTree>
@@ -3912,7 +5028,7 @@
 </p:sld>
 </file>
 
-<file path=ppt/slides/slide4.xml><?xml version="1.0" encoding="utf-8"?>
+<file path=ppt/slides/slide6.xml><?xml version="1.0" encoding="utf-8"?>
 <p:sld xmlns:a="http://schemas.openxmlformats.org/drawingml/2006/main" xmlns:r="http://schemas.openxmlformats.org/officeDocument/2006/relationships" xmlns:p="http://schemas.openxmlformats.org/presentationml/2006/main">
   <p:cSld>
     <p:spTree>
@@ -4032,7 +5148,7 @@
 </p:sld>
 </file>
 
-<file path=ppt/slides/slide5.xml><?xml version="1.0" encoding="utf-8"?>
+<file path=ppt/slides/slide7.xml><?xml version="1.0" encoding="utf-8"?>
 <p:sld xmlns:a="http://schemas.openxmlformats.org/drawingml/2006/main" xmlns:r="http://schemas.openxmlformats.org/officeDocument/2006/relationships" xmlns:p="http://schemas.openxmlformats.org/presentationml/2006/main">
   <p:cSld>
     <p:spTree>
@@ -4122,7 +5238,102 @@
 </p:sld>
 </file>
 
-<file path=ppt/slides/slide6.xml><?xml version="1.0" encoding="utf-8"?>
+<file path=ppt/slides/slide8.xml><?xml version="1.0" encoding="utf-8"?>
+<p:sld xmlns:a="http://schemas.openxmlformats.org/drawingml/2006/main" xmlns:r="http://schemas.openxmlformats.org/officeDocument/2006/relationships" xmlns:p="http://schemas.openxmlformats.org/presentationml/2006/main">
+  <p:cSld>
+    <p:spTree>
+      <p:nvGrpSpPr>
+        <p:cNvPr id="1" name=""/>
+        <p:cNvGrpSpPr/>
+        <p:nvPr/>
+      </p:nvGrpSpPr>
+      <p:grpSpPr>
+        <a:xfrm>
+          <a:off x="0" y="0"/>
+          <a:ext cx="0" cy="0"/>
+          <a:chOff x="0" y="0"/>
+          <a:chExt cx="0" cy="0"/>
+        </a:xfrm>
+      </p:grpSpPr>
+      <p:sp>
+        <p:nvSpPr>
+          <p:cNvPr id="2" name="TextBox 1">
+            <a:extLst>
+              <a:ext uri="{FF2B5EF4-FFF2-40B4-BE49-F238E27FC236}">
+                <a16:creationId xmlns:a16="http://schemas.microsoft.com/office/drawing/2014/main" id="{6D5E47BA-144B-6E25-E282-8F211ABD5221}"/>
+              </a:ext>
+            </a:extLst>
+          </p:cNvPr>
+          <p:cNvSpPr txBox="1"/>
+          <p:nvPr/>
+        </p:nvSpPr>
+        <p:spPr>
+          <a:xfrm>
+            <a:off x="1139371" y="2610838"/>
+            <a:ext cx="9913258" cy="830997"/>
+          </a:xfrm>
+          <a:prstGeom prst="rect">
+            <a:avLst/>
+          </a:prstGeom>
+          <a:noFill/>
+        </p:spPr>
+        <p:txBody>
+          <a:bodyPr wrap="square" rtlCol="0">
+            <a:spAutoFit/>
+          </a:bodyPr>
+          <a:lstStyle/>
+          <a:p>
+            <a:pPr algn="ctr"/>
+            <a:r>
+              <a:rPr lang="en-US" altLang="ko-KR" sz="4800" b="1" dirty="0">
+                <a:solidFill>
+                  <a:schemeClr val="accent1"/>
+                </a:solidFill>
+                <a:latin typeface="+mn-ea"/>
+              </a:rPr>
+              <a:t>&lt; </a:t>
+            </a:r>
+            <a:r>
+              <a:rPr lang="ko-KR" altLang="en-US" sz="4800" b="1" dirty="0">
+                <a:solidFill>
+                  <a:schemeClr val="accent1"/>
+                </a:solidFill>
+                <a:latin typeface="+mn-ea"/>
+              </a:rPr>
+              <a:t>산술 연산자 </a:t>
+            </a:r>
+            <a:r>
+              <a:rPr lang="en-US" altLang="ko-KR" sz="4800" b="1" dirty="0">
+                <a:solidFill>
+                  <a:schemeClr val="accent1"/>
+                </a:solidFill>
+                <a:latin typeface="+mn-ea"/>
+              </a:rPr>
+              <a:t>&gt;</a:t>
+            </a:r>
+            <a:endParaRPr lang="ko-KR" altLang="en-US" sz="4800" b="1" dirty="0">
+              <a:solidFill>
+                <a:schemeClr val="accent1"/>
+              </a:solidFill>
+              <a:latin typeface="+mn-ea"/>
+            </a:endParaRPr>
+          </a:p>
+        </p:txBody>
+      </p:sp>
+    </p:spTree>
+    <p:extLst>
+      <p:ext uri="{BB962C8B-B14F-4D97-AF65-F5344CB8AC3E}">
+        <p14:creationId xmlns:p14="http://schemas.microsoft.com/office/powerpoint/2010/main" val="1335219879"/>
+      </p:ext>
+    </p:extLst>
+  </p:cSld>
+  <p:clrMapOvr>
+    <a:masterClrMapping/>
+  </p:clrMapOvr>
+</p:sld>
+</file>
+
+<file path=ppt/slides/slide9.xml><?xml version="1.0" encoding="utf-8"?>
 <p:sld xmlns:a="http://schemas.openxmlformats.org/drawingml/2006/main" xmlns:r="http://schemas.openxmlformats.org/officeDocument/2006/relationships" xmlns:p="http://schemas.openxmlformats.org/presentationml/2006/main">
   <p:cSld>
     <p:spTree>
@@ -4203,246 +5414,6 @@
     <p:extLst>
       <p:ext uri="{BB962C8B-B14F-4D97-AF65-F5344CB8AC3E}">
         <p14:creationId xmlns:p14="http://schemas.microsoft.com/office/powerpoint/2010/main" val="3175278021"/>
-      </p:ext>
-    </p:extLst>
-  </p:cSld>
-  <p:clrMapOvr>
-    <a:masterClrMapping/>
-  </p:clrMapOvr>
-</p:sld>
-</file>
-
-<file path=ppt/slides/slide7.xml><?xml version="1.0" encoding="utf-8"?>
-<p:sld xmlns:a="http://schemas.openxmlformats.org/drawingml/2006/main" xmlns:r="http://schemas.openxmlformats.org/officeDocument/2006/relationships" xmlns:p="http://schemas.openxmlformats.org/presentationml/2006/main">
-  <p:cSld>
-    <p:spTree>
-      <p:nvGrpSpPr>
-        <p:cNvPr id="1" name=""/>
-        <p:cNvGrpSpPr/>
-        <p:nvPr/>
-      </p:nvGrpSpPr>
-      <p:grpSpPr>
-        <a:xfrm>
-          <a:off x="0" y="0"/>
-          <a:ext cx="0" cy="0"/>
-          <a:chOff x="0" y="0"/>
-          <a:chExt cx="0" cy="0"/>
-        </a:xfrm>
-      </p:grpSpPr>
-      <p:pic>
-        <p:nvPicPr>
-          <p:cNvPr id="3" name="그림 2">
-            <a:extLst>
-              <a:ext uri="{FF2B5EF4-FFF2-40B4-BE49-F238E27FC236}">
-                <a16:creationId xmlns:a16="http://schemas.microsoft.com/office/drawing/2014/main" id="{D77C0475-F450-BE0A-AAAF-FED59F880759}"/>
-              </a:ext>
-            </a:extLst>
-          </p:cNvPr>
-          <p:cNvPicPr>
-            <a:picLocks noChangeAspect="1"/>
-          </p:cNvPicPr>
-          <p:nvPr/>
-        </p:nvPicPr>
-        <p:blipFill>
-          <a:blip r:embed="rId2"/>
-          <a:stretch>
-            <a:fillRect/>
-          </a:stretch>
-        </p:blipFill>
-        <p:spPr>
-          <a:xfrm>
-            <a:off x="356212" y="378822"/>
-            <a:ext cx="7073287" cy="3265820"/>
-          </a:xfrm>
-          <a:prstGeom prst="rect">
-            <a:avLst/>
-          </a:prstGeom>
-        </p:spPr>
-      </p:pic>
-      <p:pic>
-        <p:nvPicPr>
-          <p:cNvPr id="5" name="그림 4">
-            <a:extLst>
-              <a:ext uri="{FF2B5EF4-FFF2-40B4-BE49-F238E27FC236}">
-                <a16:creationId xmlns:a16="http://schemas.microsoft.com/office/drawing/2014/main" id="{8C8D12ED-59F8-1595-F528-4A4CDA5686B8}"/>
-              </a:ext>
-            </a:extLst>
-          </p:cNvPr>
-          <p:cNvPicPr>
-            <a:picLocks noChangeAspect="1"/>
-          </p:cNvPicPr>
-          <p:nvPr/>
-        </p:nvPicPr>
-        <p:blipFill>
-          <a:blip r:embed="rId3"/>
-          <a:stretch>
-            <a:fillRect/>
-          </a:stretch>
-        </p:blipFill>
-        <p:spPr>
-          <a:xfrm>
-            <a:off x="356211" y="3644642"/>
-            <a:ext cx="8477545" cy="2937567"/>
-          </a:xfrm>
-          <a:prstGeom prst="rect">
-            <a:avLst/>
-          </a:prstGeom>
-        </p:spPr>
-      </p:pic>
-    </p:spTree>
-    <p:extLst>
-      <p:ext uri="{BB962C8B-B14F-4D97-AF65-F5344CB8AC3E}">
-        <p14:creationId xmlns:p14="http://schemas.microsoft.com/office/powerpoint/2010/main" val="2303808060"/>
-      </p:ext>
-    </p:extLst>
-  </p:cSld>
-  <p:clrMapOvr>
-    <a:masterClrMapping/>
-  </p:clrMapOvr>
-</p:sld>
-</file>
-
-<file path=ppt/slides/slide8.xml><?xml version="1.0" encoding="utf-8"?>
-<p:sld xmlns:a="http://schemas.openxmlformats.org/drawingml/2006/main" xmlns:r="http://schemas.openxmlformats.org/officeDocument/2006/relationships" xmlns:p="http://schemas.openxmlformats.org/presentationml/2006/main">
-  <p:cSld>
-    <p:spTree>
-      <p:nvGrpSpPr>
-        <p:cNvPr id="1" name=""/>
-        <p:cNvGrpSpPr/>
-        <p:nvPr/>
-      </p:nvGrpSpPr>
-      <p:grpSpPr>
-        <a:xfrm>
-          <a:off x="0" y="0"/>
-          <a:ext cx="0" cy="0"/>
-          <a:chOff x="0" y="0"/>
-          <a:chExt cx="0" cy="0"/>
-        </a:xfrm>
-      </p:grpSpPr>
-      <p:pic>
-        <p:nvPicPr>
-          <p:cNvPr id="3" name="그림 2">
-            <a:extLst>
-              <a:ext uri="{FF2B5EF4-FFF2-40B4-BE49-F238E27FC236}">
-                <a16:creationId xmlns:a16="http://schemas.microsoft.com/office/drawing/2014/main" id="{511835C4-3BAA-05B7-B5C9-482CBA5123CA}"/>
-              </a:ext>
-            </a:extLst>
-          </p:cNvPr>
-          <p:cNvPicPr>
-            <a:picLocks noChangeAspect="1"/>
-          </p:cNvPicPr>
-          <p:nvPr/>
-        </p:nvPicPr>
-        <p:blipFill>
-          <a:blip r:embed="rId2"/>
-          <a:stretch>
-            <a:fillRect/>
-          </a:stretch>
-        </p:blipFill>
-        <p:spPr>
-          <a:xfrm>
-            <a:off x="419616" y="461183"/>
-            <a:ext cx="4308027" cy="2595196"/>
-          </a:xfrm>
-          <a:prstGeom prst="rect">
-            <a:avLst/>
-          </a:prstGeom>
-        </p:spPr>
-      </p:pic>
-      <p:pic>
-        <p:nvPicPr>
-          <p:cNvPr id="4" name="그림 3">
-            <a:extLst>
-              <a:ext uri="{FF2B5EF4-FFF2-40B4-BE49-F238E27FC236}">
-                <a16:creationId xmlns:a16="http://schemas.microsoft.com/office/drawing/2014/main" id="{20701E16-0190-AAD9-C7AA-CA2C7692C3E0}"/>
-              </a:ext>
-            </a:extLst>
-          </p:cNvPr>
-          <p:cNvPicPr>
-            <a:picLocks noChangeAspect="1"/>
-          </p:cNvPicPr>
-          <p:nvPr/>
-        </p:nvPicPr>
-        <p:blipFill>
-          <a:blip r:embed="rId3"/>
-          <a:stretch>
-            <a:fillRect/>
-          </a:stretch>
-        </p:blipFill>
-        <p:spPr>
-          <a:xfrm>
-            <a:off x="419616" y="3003987"/>
-            <a:ext cx="9055124" cy="3554758"/>
-          </a:xfrm>
-          <a:prstGeom prst="rect">
-            <a:avLst/>
-          </a:prstGeom>
-        </p:spPr>
-      </p:pic>
-    </p:spTree>
-    <p:extLst>
-      <p:ext uri="{BB962C8B-B14F-4D97-AF65-F5344CB8AC3E}">
-        <p14:creationId xmlns:p14="http://schemas.microsoft.com/office/powerpoint/2010/main" val="797567419"/>
-      </p:ext>
-    </p:extLst>
-  </p:cSld>
-  <p:clrMapOvr>
-    <a:masterClrMapping/>
-  </p:clrMapOvr>
-</p:sld>
-</file>
-
-<file path=ppt/slides/slide9.xml><?xml version="1.0" encoding="utf-8"?>
-<p:sld xmlns:a="http://schemas.openxmlformats.org/drawingml/2006/main" xmlns:r="http://schemas.openxmlformats.org/officeDocument/2006/relationships" xmlns:p="http://schemas.openxmlformats.org/presentationml/2006/main">
-  <p:cSld>
-    <p:spTree>
-      <p:nvGrpSpPr>
-        <p:cNvPr id="1" name=""/>
-        <p:cNvGrpSpPr/>
-        <p:nvPr/>
-      </p:nvGrpSpPr>
-      <p:grpSpPr>
-        <a:xfrm>
-          <a:off x="0" y="0"/>
-          <a:ext cx="0" cy="0"/>
-          <a:chOff x="0" y="0"/>
-          <a:chExt cx="0" cy="0"/>
-        </a:xfrm>
-      </p:grpSpPr>
-      <p:pic>
-        <p:nvPicPr>
-          <p:cNvPr id="3" name="그림 2">
-            <a:extLst>
-              <a:ext uri="{FF2B5EF4-FFF2-40B4-BE49-F238E27FC236}">
-                <a16:creationId xmlns:a16="http://schemas.microsoft.com/office/drawing/2014/main" id="{4857B389-FF9C-A692-31EB-85F598F170A3}"/>
-              </a:ext>
-            </a:extLst>
-          </p:cNvPr>
-          <p:cNvPicPr>
-            <a:picLocks noChangeAspect="1"/>
-          </p:cNvPicPr>
-          <p:nvPr/>
-        </p:nvPicPr>
-        <p:blipFill>
-          <a:blip r:embed="rId2"/>
-          <a:stretch>
-            <a:fillRect/>
-          </a:stretch>
-        </p:blipFill>
-        <p:spPr>
-          <a:xfrm>
-            <a:off x="356377" y="428205"/>
-            <a:ext cx="11586759" cy="5480225"/>
-          </a:xfrm>
-          <a:prstGeom prst="rect">
-            <a:avLst/>
-          </a:prstGeom>
-        </p:spPr>
-      </p:pic>
-    </p:spTree>
-    <p:extLst>
-      <p:ext uri="{BB962C8B-B14F-4D97-AF65-F5344CB8AC3E}">
-        <p14:creationId xmlns:p14="http://schemas.microsoft.com/office/powerpoint/2010/main" val="2695997935"/>
       </p:ext>
     </p:extLst>
   </p:cSld>

--- a/Python과제/Python_4강.pptx
+++ b/Python과제/Python_4강.pptx
@@ -471,7 +471,7 @@
           <a:p>
             <a:fld id="{96DFF08F-DC6B-4601-B491-B0F83F6DD2DA}" type="datetimeFigureOut">
               <a:rPr lang="en-US" smtClean="0"/>
-              <a:t>5/6/2023</a:t>
+              <a:t>5/7/2023</a:t>
             </a:fld>
             <a:endParaRPr lang="en-US" dirty="0"/>
           </a:p>
@@ -692,7 +692,7 @@
           <a:p>
             <a:fld id="{96DFF08F-DC6B-4601-B491-B0F83F6DD2DA}" type="datetimeFigureOut">
               <a:rPr lang="en-US" smtClean="0"/>
-              <a:t>5/6/2023</a:t>
+              <a:t>5/7/2023</a:t>
             </a:fld>
             <a:endParaRPr lang="en-US" dirty="0"/>
           </a:p>
@@ -872,7 +872,7 @@
           <a:p>
             <a:fld id="{96DFF08F-DC6B-4601-B491-B0F83F6DD2DA}" type="datetimeFigureOut">
               <a:rPr lang="en-US" smtClean="0"/>
-              <a:t>5/6/2023</a:t>
+              <a:t>5/7/2023</a:t>
             </a:fld>
             <a:endParaRPr lang="en-US" dirty="0"/>
           </a:p>
@@ -1042,7 +1042,7 @@
           <a:p>
             <a:fld id="{96DFF08F-DC6B-4601-B491-B0F83F6DD2DA}" type="datetimeFigureOut">
               <a:rPr lang="en-US" smtClean="0"/>
-              <a:t>5/6/2023</a:t>
+              <a:t>5/7/2023</a:t>
             </a:fld>
             <a:endParaRPr lang="en-US" dirty="0"/>
           </a:p>
@@ -1293,7 +1293,7 @@
           <a:p>
             <a:fld id="{96DFF08F-DC6B-4601-B491-B0F83F6DD2DA}" type="datetimeFigureOut">
               <a:rPr lang="en-US" smtClean="0"/>
-              <a:t>5/6/2023</a:t>
+              <a:t>5/7/2023</a:t>
             </a:fld>
             <a:endParaRPr lang="en-US" dirty="0"/>
           </a:p>
@@ -1616,7 +1616,7 @@
           <a:p>
             <a:fld id="{96DFF08F-DC6B-4601-B491-B0F83F6DD2DA}" type="datetimeFigureOut">
               <a:rPr lang="en-US" smtClean="0"/>
-              <a:t>5/6/2023</a:t>
+              <a:t>5/7/2023</a:t>
             </a:fld>
             <a:endParaRPr lang="en-US" dirty="0"/>
           </a:p>
@@ -2040,7 +2040,7 @@
           <a:p>
             <a:fld id="{96DFF08F-DC6B-4601-B491-B0F83F6DD2DA}" type="datetimeFigureOut">
               <a:rPr lang="en-US" smtClean="0"/>
-              <a:t>5/6/2023</a:t>
+              <a:t>5/7/2023</a:t>
             </a:fld>
             <a:endParaRPr lang="en-US" dirty="0"/>
           </a:p>
@@ -2158,7 +2158,7 @@
           <a:p>
             <a:fld id="{96DFF08F-DC6B-4601-B491-B0F83F6DD2DA}" type="datetimeFigureOut">
               <a:rPr lang="en-US" smtClean="0"/>
-              <a:t>5/6/2023</a:t>
+              <a:t>5/7/2023</a:t>
             </a:fld>
             <a:endParaRPr lang="en-US" dirty="0"/>
           </a:p>
@@ -2253,7 +2253,7 @@
           <a:p>
             <a:fld id="{96DFF08F-DC6B-4601-B491-B0F83F6DD2DA}" type="datetimeFigureOut">
               <a:rPr lang="en-US" smtClean="0"/>
-              <a:t>5/6/2023</a:t>
+              <a:t>5/7/2023</a:t>
             </a:fld>
             <a:endParaRPr lang="en-US" dirty="0"/>
           </a:p>
@@ -2543,7 +2543,7 @@
           <a:p>
             <a:fld id="{96DFF08F-DC6B-4601-B491-B0F83F6DD2DA}" type="datetimeFigureOut">
               <a:rPr lang="en-US" smtClean="0"/>
-              <a:t>5/6/2023</a:t>
+              <a:t>5/7/2023</a:t>
             </a:fld>
             <a:endParaRPr lang="en-US" dirty="0"/>
           </a:p>
@@ -2815,7 +2815,7 @@
           <a:p>
             <a:fld id="{96DFF08F-DC6B-4601-B491-B0F83F6DD2DA}" type="datetimeFigureOut">
               <a:rPr lang="en-US" smtClean="0"/>
-              <a:t>5/6/2023</a:t>
+              <a:t>5/7/2023</a:t>
             </a:fld>
             <a:endParaRPr lang="en-US" dirty="0"/>
           </a:p>
@@ -3070,7 +3070,7 @@
             <a:fld id="{96DFF08F-DC6B-4601-B491-B0F83F6DD2DA}" type="datetimeFigureOut">
               <a:rPr lang="en-US" smtClean="0"/>
               <a:pPr/>
-              <a:t>5/6/2023</a:t>
+              <a:t>5/7/2023</a:t>
             </a:fld>
             <a:endParaRPr lang="en-US" dirty="0"/>
           </a:p>
@@ -3995,8 +3995,8 @@
           </a:prstGeom>
         </p:spPr>
       </p:pic>
-      <mc:AlternateContent xmlns:mc="http://schemas.openxmlformats.org/markup-compatibility/2006">
-        <mc:Choice xmlns:p14="http://schemas.microsoft.com/office/powerpoint/2010/main" Requires="p14">
+      <mc:AlternateContent xmlns:mc="http://schemas.openxmlformats.org/markup-compatibility/2006" xmlns:p14="http://schemas.microsoft.com/office/powerpoint/2010/main">
+        <mc:Choice Requires="p14">
           <p:contentPart p14:bwMode="auto" r:id="rId3">
             <p14:nvContentPartPr>
               <p14:cNvPr id="2" name="잉크 1">
@@ -4015,7 +4015,7 @@
             </p14:xfrm>
           </p:contentPart>
         </mc:Choice>
-        <mc:Fallback>
+        <mc:Fallback xmlns="">
           <p:pic>
             <p:nvPicPr>
               <p:cNvPr id="2" name="잉크 1">
@@ -4046,6 +4046,51 @@
           </p:pic>
         </mc:Fallback>
       </mc:AlternateContent>
+      <p:sp>
+        <p:nvSpPr>
+          <p:cNvPr id="4" name="TextBox 3">
+            <a:extLst>
+              <a:ext uri="{FF2B5EF4-FFF2-40B4-BE49-F238E27FC236}">
+                <a16:creationId xmlns:a16="http://schemas.microsoft.com/office/drawing/2014/main" id="{24DE9085-D028-565E-2DB8-58551873A03F}"/>
+              </a:ext>
+            </a:extLst>
+          </p:cNvPr>
+          <p:cNvSpPr txBox="1"/>
+          <p:nvPr/>
+        </p:nvSpPr>
+        <p:spPr>
+          <a:xfrm>
+            <a:off x="356377" y="4199738"/>
+            <a:ext cx="2065283" cy="369332"/>
+          </a:xfrm>
+          <a:prstGeom prst="rect">
+            <a:avLst/>
+          </a:prstGeom>
+          <a:noFill/>
+        </p:spPr>
+        <p:txBody>
+          <a:bodyPr wrap="square" rtlCol="0">
+            <a:spAutoFit/>
+          </a:bodyPr>
+          <a:lstStyle/>
+          <a:p>
+            <a:pPr algn="ctr"/>
+            <a:r>
+              <a:rPr lang="en-US" altLang="ko-KR" b="1" dirty="0"/>
+              <a:t>&lt; print </a:t>
+            </a:r>
+            <a:r>
+              <a:rPr lang="ko-KR" altLang="en-US" b="1" dirty="0"/>
+              <a:t>결과 확인 </a:t>
+            </a:r>
+            <a:r>
+              <a:rPr lang="en-US" altLang="ko-KR" b="1" dirty="0"/>
+              <a:t>&gt;</a:t>
+            </a:r>
+            <a:endParaRPr lang="ko-KR" altLang="en-US" b="1" dirty="0"/>
+          </a:p>
+        </p:txBody>
+      </p:sp>
     </p:spTree>
     <p:extLst>
       <p:ext uri="{BB962C8B-B14F-4D97-AF65-F5344CB8AC3E}">
@@ -4106,8 +4151,8 @@
           </a:prstGeom>
         </p:spPr>
       </p:pic>
-      <mc:AlternateContent xmlns:mc="http://schemas.openxmlformats.org/markup-compatibility/2006">
-        <mc:Choice xmlns:p14="http://schemas.microsoft.com/office/powerpoint/2010/main" Requires="p14">
+      <mc:AlternateContent xmlns:mc="http://schemas.openxmlformats.org/markup-compatibility/2006" xmlns:p14="http://schemas.microsoft.com/office/powerpoint/2010/main">
+        <mc:Choice Requires="p14">
           <p:contentPart p14:bwMode="auto" r:id="rId3">
             <p14:nvContentPartPr>
               <p14:cNvPr id="2" name="잉크 1">
@@ -4126,7 +4171,7 @@
             </p14:xfrm>
           </p:contentPart>
         </mc:Choice>
-        <mc:Fallback>
+        <mc:Fallback xmlns="">
           <p:pic>
             <p:nvPicPr>
               <p:cNvPr id="2" name="잉크 1">
@@ -4217,8 +4262,8 @@
           </a:prstGeom>
         </p:spPr>
       </p:pic>
-      <mc:AlternateContent xmlns:mc="http://schemas.openxmlformats.org/markup-compatibility/2006">
-        <mc:Choice xmlns:p14="http://schemas.microsoft.com/office/powerpoint/2010/main" Requires="p14">
+      <mc:AlternateContent xmlns:mc="http://schemas.openxmlformats.org/markup-compatibility/2006" xmlns:p14="http://schemas.microsoft.com/office/powerpoint/2010/main">
+        <mc:Choice Requires="p14">
           <p:contentPart p14:bwMode="auto" r:id="rId3">
             <p14:nvContentPartPr>
               <p14:cNvPr id="5" name="잉크 4">
@@ -4237,7 +4282,7 @@
             </p14:xfrm>
           </p:contentPart>
         </mc:Choice>
-        <mc:Fallback>
+        <mc:Fallback xmlns="">
           <p:pic>
             <p:nvPicPr>
               <p:cNvPr id="5" name="잉크 4">
@@ -4328,8 +4373,8 @@
           </a:prstGeom>
         </p:spPr>
       </p:pic>
-      <mc:AlternateContent xmlns:mc="http://schemas.openxmlformats.org/markup-compatibility/2006">
-        <mc:Choice xmlns:p14="http://schemas.microsoft.com/office/powerpoint/2010/main" Requires="p14">
+      <mc:AlternateContent xmlns:mc="http://schemas.openxmlformats.org/markup-compatibility/2006" xmlns:p14="http://schemas.microsoft.com/office/powerpoint/2010/main">
+        <mc:Choice Requires="p14">
           <p:contentPart p14:bwMode="auto" r:id="rId3">
             <p14:nvContentPartPr>
               <p14:cNvPr id="2" name="잉크 1">
@@ -4348,7 +4393,7 @@
             </p14:xfrm>
           </p:contentPart>
         </mc:Choice>
-        <mc:Fallback>
+        <mc:Fallback xmlns="">
           <p:pic>
             <p:nvPicPr>
               <p:cNvPr id="2" name="잉크 1">
@@ -4379,8 +4424,8 @@
           </p:pic>
         </mc:Fallback>
       </mc:AlternateContent>
-      <mc:AlternateContent xmlns:mc="http://schemas.openxmlformats.org/markup-compatibility/2006">
-        <mc:Choice xmlns:p14="http://schemas.microsoft.com/office/powerpoint/2010/main" Requires="p14">
+      <mc:AlternateContent xmlns:mc="http://schemas.openxmlformats.org/markup-compatibility/2006" xmlns:p14="http://schemas.microsoft.com/office/powerpoint/2010/main">
+        <mc:Choice Requires="p14">
           <p:contentPart p14:bwMode="auto" r:id="rId5">
             <p14:nvContentPartPr>
               <p14:cNvPr id="4" name="잉크 3">
@@ -4399,7 +4444,7 @@
             </p14:xfrm>
           </p:contentPart>
         </mc:Choice>
-        <mc:Fallback>
+        <mc:Fallback xmlns="">
           <p:pic>
             <p:nvPicPr>
               <p:cNvPr id="4" name="잉크 3">
@@ -4556,16 +4601,16 @@
                 </a:solidFill>
                 <a:latin typeface="+mn-ea"/>
               </a:rPr>
-              <a:t>&lt; </a:t>
-            </a:r>
-            <a:r>
-              <a:rPr lang="ko-KR" altLang="en-US" sz="4800" b="1" dirty="0">
+              <a:t>&lt; 4</a:t>
+            </a:r>
+            <a:r>
+              <a:rPr lang="ko-KR" altLang="en-US" sz="4800" b="1">
                 <a:solidFill>
                   <a:schemeClr val="accent1"/>
                 </a:solidFill>
                 <a:latin typeface="+mn-ea"/>
               </a:rPr>
-              <a:t>정리하기 </a:t>
+              <a:t>강 정리하기 </a:t>
             </a:r>
             <a:r>
               <a:rPr lang="en-US" altLang="ko-KR" sz="4800" b="1" dirty="0">
